--- a/other/spa_presentation.pptx
+++ b/other/spa_presentation.pptx
@@ -5,7 +5,7 @@
     <p:sldMasterId id="2147483713" r:id="rId1"/>
   </p:sldMasterIdLst>
   <p:notesMasterIdLst>
-    <p:notesMasterId r:id="rId20"/>
+    <p:notesMasterId r:id="rId19"/>
   </p:notesMasterIdLst>
   <p:sldIdLst>
     <p:sldId id="256" r:id="rId2"/>
@@ -23,9 +23,8 @@
     <p:sldId id="269" r:id="rId14"/>
     <p:sldId id="270" r:id="rId15"/>
     <p:sldId id="271" r:id="rId16"/>
-    <p:sldId id="272" r:id="rId17"/>
-    <p:sldId id="274" r:id="rId18"/>
-    <p:sldId id="273" r:id="rId19"/>
+    <p:sldId id="274" r:id="rId17"/>
+    <p:sldId id="273" r:id="rId18"/>
   </p:sldIdLst>
   <p:sldSz cx="12192000" cy="6858000"/>
   <p:notesSz cx="6858000" cy="9144000"/>
@@ -546,11 +545,11 @@
         </c:dLbls>
         <c:gapWidth val="219"/>
         <c:overlap val="-27"/>
-        <c:axId val="38289568"/>
-        <c:axId val="38291344"/>
+        <c:axId val="232463024"/>
+        <c:axId val="232465344"/>
       </c:barChart>
       <c:catAx>
-        <c:axId val="38289568"/>
+        <c:axId val="232463024"/>
         <c:scaling>
           <c:orientation val="minMax"/>
         </c:scaling>
@@ -593,7 +592,7 @@
             <a:endParaRPr lang="en-US"/>
           </a:p>
         </c:txPr>
-        <c:crossAx val="38291344"/>
+        <c:crossAx val="232465344"/>
         <c:crosses val="autoZero"/>
         <c:auto val="1"/>
         <c:lblAlgn val="ctr"/>
@@ -601,7 +600,7 @@
         <c:noMultiLvlLbl val="0"/>
       </c:catAx>
       <c:valAx>
-        <c:axId val="38291344"/>
+        <c:axId val="232465344"/>
         <c:scaling>
           <c:orientation val="minMax"/>
         </c:scaling>
@@ -652,7 +651,7 @@
             <a:endParaRPr lang="en-US"/>
           </a:p>
         </c:txPr>
-        <c:crossAx val="38289568"/>
+        <c:crossAx val="232463024"/>
         <c:crosses val="autoZero"/>
         <c:crossBetween val="between"/>
       </c:valAx>
@@ -1217,7 +1216,7 @@
                   <c:v>-0.82</c:v>
                 </c:pt>
                 <c:pt idx="5">
-                  <c:v>8.23</c:v>
+                  <c:v>8.229999999999998</c:v>
                 </c:pt>
                 <c:pt idx="6">
                   <c:v>7.28</c:v>
@@ -1592,11 +1591,11 @@
           <c:showBubbleSize val="0"/>
         </c:dLbls>
         <c:smooth val="0"/>
-        <c:axId val="38402000"/>
-        <c:axId val="38404752"/>
+        <c:axId val="232715856"/>
+        <c:axId val="232718608"/>
       </c:lineChart>
       <c:catAx>
-        <c:axId val="38402000"/>
+        <c:axId val="232715856"/>
         <c:scaling>
           <c:orientation val="minMax"/>
         </c:scaling>
@@ -1639,7 +1638,7 @@
             <a:endParaRPr lang="en-US"/>
           </a:p>
         </c:txPr>
-        <c:crossAx val="38404752"/>
+        <c:crossAx val="232718608"/>
         <c:crosses val="autoZero"/>
         <c:auto val="1"/>
         <c:lblAlgn val="ctr"/>
@@ -1647,7 +1646,7 @@
         <c:noMultiLvlLbl val="0"/>
       </c:catAx>
       <c:valAx>
-        <c:axId val="38404752"/>
+        <c:axId val="232718608"/>
         <c:scaling>
           <c:orientation val="minMax"/>
         </c:scaling>
@@ -1704,7 +1703,7 @@
             <a:endParaRPr lang="en-US"/>
           </a:p>
         </c:txPr>
-        <c:crossAx val="38402000"/>
+        <c:crossAx val="232715856"/>
         <c:crosses val="autoZero"/>
         <c:crossBetween val="between"/>
       </c:valAx>
@@ -2084,10 +2083,10 @@
                   <c:v>5.46</c:v>
                 </c:pt>
                 <c:pt idx="36">
-                  <c:v>7.159999999999998</c:v>
+                  <c:v>7.159999999999997</c:v>
                 </c:pt>
                 <c:pt idx="37">
-                  <c:v>6.659999999999998</c:v>
+                  <c:v>6.659999999999997</c:v>
                 </c:pt>
               </c:numCache>
             </c:numRef>
@@ -2640,11 +2639,11 @@
           <c:showBubbleSize val="0"/>
         </c:dLbls>
         <c:smooth val="0"/>
-        <c:axId val="53515920"/>
-        <c:axId val="53518672"/>
+        <c:axId val="232745680"/>
+        <c:axId val="232748432"/>
       </c:lineChart>
       <c:catAx>
-        <c:axId val="53515920"/>
+        <c:axId val="232745680"/>
         <c:scaling>
           <c:orientation val="minMax"/>
         </c:scaling>
@@ -2687,7 +2686,7 @@
             <a:endParaRPr lang="en-US"/>
           </a:p>
         </c:txPr>
-        <c:crossAx val="53518672"/>
+        <c:crossAx val="232748432"/>
         <c:crosses val="autoZero"/>
         <c:auto val="1"/>
         <c:lblAlgn val="ctr"/>
@@ -2695,7 +2694,7 @@
         <c:noMultiLvlLbl val="0"/>
       </c:catAx>
       <c:valAx>
-        <c:axId val="53518672"/>
+        <c:axId val="232748432"/>
         <c:scaling>
           <c:orientation val="minMax"/>
         </c:scaling>
@@ -2752,7 +2751,7 @@
             <a:endParaRPr lang="en-US"/>
           </a:p>
         </c:txPr>
-        <c:crossAx val="53515920"/>
+        <c:crossAx val="232745680"/>
         <c:crosses val="autoZero"/>
         <c:crossBetween val="between"/>
       </c:valAx>
@@ -2805,1540 +2804,6 @@
     </mc:Fallback>
   </mc:AlternateContent>
   <c:chart>
-    <c:title>
-      <c:tx>
-        <c:rich>
-          <a:bodyPr rot="0" spcFirstLastPara="1" vertOverflow="ellipsis" vert="horz" wrap="square" anchor="ctr" anchorCtr="1"/>
-          <a:lstStyle/>
-          <a:p>
-            <a:pPr>
-              <a:defRPr sz="1400" b="0" i="0" u="none" strike="noStrike" kern="1200" spc="0" baseline="0">
-                <a:solidFill>
-                  <a:schemeClr val="tx1">
-                    <a:lumMod val="65000"/>
-                    <a:lumOff val="35000"/>
-                  </a:schemeClr>
-                </a:solidFill>
-                <a:latin typeface="+mn-lt"/>
-                <a:ea typeface="+mn-ea"/>
-                <a:cs typeface="+mn-cs"/>
-              </a:defRPr>
-            </a:pPr>
-            <a:r>
-              <a:rPr lang="en-US"/>
-              <a:t>2015/2016</a:t>
-            </a:r>
-          </a:p>
-        </c:rich>
-      </c:tx>
-      <c:layout/>
-      <c:overlay val="0"/>
-      <c:spPr>
-        <a:noFill/>
-        <a:ln>
-          <a:noFill/>
-        </a:ln>
-        <a:effectLst/>
-      </c:spPr>
-      <c:txPr>
-        <a:bodyPr rot="0" spcFirstLastPara="1" vertOverflow="ellipsis" vert="horz" wrap="square" anchor="ctr" anchorCtr="1"/>
-        <a:lstStyle/>
-        <a:p>
-          <a:pPr>
-            <a:defRPr sz="1400" b="0" i="0" u="none" strike="noStrike" kern="1200" spc="0" baseline="0">
-              <a:solidFill>
-                <a:schemeClr val="tx1">
-                  <a:lumMod val="65000"/>
-                  <a:lumOff val="35000"/>
-                </a:schemeClr>
-              </a:solidFill>
-              <a:latin typeface="+mn-lt"/>
-              <a:ea typeface="+mn-ea"/>
-              <a:cs typeface="+mn-cs"/>
-            </a:defRPr>
-          </a:pPr>
-          <a:endParaRPr lang="en-US"/>
-        </a:p>
-      </c:txPr>
-    </c:title>
-    <c:autoTitleDeleted val="0"/>
-    <c:plotArea>
-      <c:layout>
-        <c:manualLayout>
-          <c:layoutTarget val="inner"/>
-          <c:xMode val="edge"/>
-          <c:yMode val="edge"/>
-          <c:x val="0.0331349639700012"/>
-          <c:y val="0.129915447457522"/>
-          <c:w val="0.854079157165635"/>
-          <c:h val="0.829056999968937"/>
-        </c:manualLayout>
-      </c:layout>
-      <c:lineChart>
-        <c:grouping val="standard"/>
-        <c:varyColors val="0"/>
-        <c:ser>
-          <c:idx val="0"/>
-          <c:order val="0"/>
-          <c:tx>
-            <c:strRef>
-              <c:f>'compare_leagues_2015-2016'!$A$1</c:f>
-              <c:strCache>
-                <c:ptCount val="1"/>
-                <c:pt idx="0">
-                  <c:v>italy</c:v>
-                </c:pt>
-              </c:strCache>
-            </c:strRef>
-          </c:tx>
-          <c:spPr>
-            <a:ln w="19050" cap="rnd">
-              <a:solidFill>
-                <a:schemeClr val="accent1"/>
-              </a:solidFill>
-              <a:round/>
-            </a:ln>
-            <a:effectLst/>
-          </c:spPr>
-          <c:marker>
-            <c:symbol val="none"/>
-          </c:marker>
-          <c:cat>
-            <c:numRef>
-              <c:f>'compare_leagues_2015-2016'!$A$2:$A$39</c:f>
-              <c:numCache>
-                <c:formatCode>General</c:formatCode>
-                <c:ptCount val="38"/>
-                <c:pt idx="0">
-                  <c:v>1.0</c:v>
-                </c:pt>
-                <c:pt idx="1">
-                  <c:v>2.0</c:v>
-                </c:pt>
-                <c:pt idx="2">
-                  <c:v>3.0</c:v>
-                </c:pt>
-                <c:pt idx="3">
-                  <c:v>4.0</c:v>
-                </c:pt>
-                <c:pt idx="4">
-                  <c:v>5.0</c:v>
-                </c:pt>
-                <c:pt idx="5">
-                  <c:v>6.0</c:v>
-                </c:pt>
-                <c:pt idx="6">
-                  <c:v>7.0</c:v>
-                </c:pt>
-                <c:pt idx="7">
-                  <c:v>8.0</c:v>
-                </c:pt>
-                <c:pt idx="8">
-                  <c:v>9.0</c:v>
-                </c:pt>
-                <c:pt idx="9">
-                  <c:v>10.0</c:v>
-                </c:pt>
-                <c:pt idx="10">
-                  <c:v>11.0</c:v>
-                </c:pt>
-                <c:pt idx="11">
-                  <c:v>12.0</c:v>
-                </c:pt>
-                <c:pt idx="12">
-                  <c:v>13.0</c:v>
-                </c:pt>
-                <c:pt idx="13">
-                  <c:v>14.0</c:v>
-                </c:pt>
-                <c:pt idx="14">
-                  <c:v>15.0</c:v>
-                </c:pt>
-                <c:pt idx="15">
-                  <c:v>16.0</c:v>
-                </c:pt>
-                <c:pt idx="16">
-                  <c:v>17.0</c:v>
-                </c:pt>
-                <c:pt idx="17">
-                  <c:v>18.0</c:v>
-                </c:pt>
-                <c:pt idx="18">
-                  <c:v>19.0</c:v>
-                </c:pt>
-                <c:pt idx="19">
-                  <c:v>20.0</c:v>
-                </c:pt>
-                <c:pt idx="20">
-                  <c:v>21.0</c:v>
-                </c:pt>
-                <c:pt idx="21">
-                  <c:v>22.0</c:v>
-                </c:pt>
-                <c:pt idx="22">
-                  <c:v>23.0</c:v>
-                </c:pt>
-                <c:pt idx="23">
-                  <c:v>24.0</c:v>
-                </c:pt>
-                <c:pt idx="24">
-                  <c:v>25.0</c:v>
-                </c:pt>
-                <c:pt idx="25">
-                  <c:v>26.0</c:v>
-                </c:pt>
-                <c:pt idx="26">
-                  <c:v>27.0</c:v>
-                </c:pt>
-                <c:pt idx="27">
-                  <c:v>28.0</c:v>
-                </c:pt>
-                <c:pt idx="28">
-                  <c:v>29.0</c:v>
-                </c:pt>
-                <c:pt idx="29">
-                  <c:v>30.0</c:v>
-                </c:pt>
-                <c:pt idx="30">
-                  <c:v>31.0</c:v>
-                </c:pt>
-                <c:pt idx="31">
-                  <c:v>32.0</c:v>
-                </c:pt>
-                <c:pt idx="32">
-                  <c:v>33.0</c:v>
-                </c:pt>
-                <c:pt idx="33">
-                  <c:v>34.0</c:v>
-                </c:pt>
-                <c:pt idx="34">
-                  <c:v>35.0</c:v>
-                </c:pt>
-                <c:pt idx="35">
-                  <c:v>36.0</c:v>
-                </c:pt>
-                <c:pt idx="36">
-                  <c:v>37.0</c:v>
-                </c:pt>
-                <c:pt idx="37">
-                  <c:v>38.0</c:v>
-                </c:pt>
-              </c:numCache>
-            </c:numRef>
-          </c:cat>
-          <c:val>
-            <c:numRef>
-              <c:f>'compare_leagues_2015-2016'!$B$2:$B$39</c:f>
-              <c:numCache>
-                <c:formatCode>General</c:formatCode>
-                <c:ptCount val="38"/>
-                <c:pt idx="0">
-                  <c:v>-2.55</c:v>
-                </c:pt>
-                <c:pt idx="1">
-                  <c:v>-1.25</c:v>
-                </c:pt>
-                <c:pt idx="2">
-                  <c:v>-4.05</c:v>
-                </c:pt>
-                <c:pt idx="3">
-                  <c:v>-3.65</c:v>
-                </c:pt>
-                <c:pt idx="4">
-                  <c:v>0.83</c:v>
-                </c:pt>
-                <c:pt idx="5">
-                  <c:v>9.88</c:v>
-                </c:pt>
-                <c:pt idx="6">
-                  <c:v>8.93</c:v>
-                </c:pt>
-                <c:pt idx="7">
-                  <c:v>8.98</c:v>
-                </c:pt>
-                <c:pt idx="8">
-                  <c:v>7.78</c:v>
-                </c:pt>
-                <c:pt idx="9">
-                  <c:v>7.22</c:v>
-                </c:pt>
-                <c:pt idx="10">
-                  <c:v>5.79</c:v>
-                </c:pt>
-                <c:pt idx="11">
-                  <c:v>5.76</c:v>
-                </c:pt>
-                <c:pt idx="12">
-                  <c:v>5.659999999999999</c:v>
-                </c:pt>
-                <c:pt idx="13">
-                  <c:v>3.85</c:v>
-                </c:pt>
-                <c:pt idx="14">
-                  <c:v>2.44</c:v>
-                </c:pt>
-                <c:pt idx="15">
-                  <c:v>0.44</c:v>
-                </c:pt>
-                <c:pt idx="16">
-                  <c:v>-1.5</c:v>
-                </c:pt>
-                <c:pt idx="17">
-                  <c:v>-1.25</c:v>
-                </c:pt>
-                <c:pt idx="18">
-                  <c:v>-1.35</c:v>
-                </c:pt>
-                <c:pt idx="19">
-                  <c:v>-2.98</c:v>
-                </c:pt>
-                <c:pt idx="20">
-                  <c:v>-0.26</c:v>
-                </c:pt>
-                <c:pt idx="21">
-                  <c:v>-3.73</c:v>
-                </c:pt>
-                <c:pt idx="22">
-                  <c:v>-2.69</c:v>
-                </c:pt>
-                <c:pt idx="23">
-                  <c:v>-5.689999999999999</c:v>
-                </c:pt>
-                <c:pt idx="24">
-                  <c:v>-2.39</c:v>
-                </c:pt>
-                <c:pt idx="25">
-                  <c:v>-4.0</c:v>
-                </c:pt>
-                <c:pt idx="26">
-                  <c:v>-7.43</c:v>
-                </c:pt>
-                <c:pt idx="27">
-                  <c:v>-7.39</c:v>
-                </c:pt>
-                <c:pt idx="28">
-                  <c:v>-7.189999999999999</c:v>
-                </c:pt>
-                <c:pt idx="29">
-                  <c:v>-7.95</c:v>
-                </c:pt>
-                <c:pt idx="30">
-                  <c:v>-9.55</c:v>
-                </c:pt>
-                <c:pt idx="31">
-                  <c:v>-8.37</c:v>
-                </c:pt>
-                <c:pt idx="32">
-                  <c:v>-10.23</c:v>
-                </c:pt>
-                <c:pt idx="33">
-                  <c:v>-6.63</c:v>
-                </c:pt>
-                <c:pt idx="34">
-                  <c:v>1.62</c:v>
-                </c:pt>
-                <c:pt idx="35">
-                  <c:v>4.659999999999999</c:v>
-                </c:pt>
-                <c:pt idx="36">
-                  <c:v>3.28</c:v>
-                </c:pt>
-                <c:pt idx="37">
-                  <c:v>2.83</c:v>
-                </c:pt>
-              </c:numCache>
-            </c:numRef>
-          </c:val>
-          <c:smooth val="0"/>
-        </c:ser>
-        <c:ser>
-          <c:idx val="1"/>
-          <c:order val="1"/>
-          <c:tx>
-            <c:strRef>
-              <c:f>'compare_leagues_2015-2016'!$A$40</c:f>
-              <c:strCache>
-                <c:ptCount val="1"/>
-                <c:pt idx="0">
-                  <c:v>spain</c:v>
-                </c:pt>
-              </c:strCache>
-            </c:strRef>
-          </c:tx>
-          <c:spPr>
-            <a:ln w="19050" cap="rnd">
-              <a:solidFill>
-                <a:schemeClr val="accent2"/>
-              </a:solidFill>
-              <a:round/>
-            </a:ln>
-            <a:effectLst/>
-          </c:spPr>
-          <c:marker>
-            <c:symbol val="none"/>
-          </c:marker>
-          <c:cat>
-            <c:numRef>
-              <c:f>'compare_leagues_2015-2016'!$A$2:$A$39</c:f>
-              <c:numCache>
-                <c:formatCode>General</c:formatCode>
-                <c:ptCount val="38"/>
-                <c:pt idx="0">
-                  <c:v>1.0</c:v>
-                </c:pt>
-                <c:pt idx="1">
-                  <c:v>2.0</c:v>
-                </c:pt>
-                <c:pt idx="2">
-                  <c:v>3.0</c:v>
-                </c:pt>
-                <c:pt idx="3">
-                  <c:v>4.0</c:v>
-                </c:pt>
-                <c:pt idx="4">
-                  <c:v>5.0</c:v>
-                </c:pt>
-                <c:pt idx="5">
-                  <c:v>6.0</c:v>
-                </c:pt>
-                <c:pt idx="6">
-                  <c:v>7.0</c:v>
-                </c:pt>
-                <c:pt idx="7">
-                  <c:v>8.0</c:v>
-                </c:pt>
-                <c:pt idx="8">
-                  <c:v>9.0</c:v>
-                </c:pt>
-                <c:pt idx="9">
-                  <c:v>10.0</c:v>
-                </c:pt>
-                <c:pt idx="10">
-                  <c:v>11.0</c:v>
-                </c:pt>
-                <c:pt idx="11">
-                  <c:v>12.0</c:v>
-                </c:pt>
-                <c:pt idx="12">
-                  <c:v>13.0</c:v>
-                </c:pt>
-                <c:pt idx="13">
-                  <c:v>14.0</c:v>
-                </c:pt>
-                <c:pt idx="14">
-                  <c:v>15.0</c:v>
-                </c:pt>
-                <c:pt idx="15">
-                  <c:v>16.0</c:v>
-                </c:pt>
-                <c:pt idx="16">
-                  <c:v>17.0</c:v>
-                </c:pt>
-                <c:pt idx="17">
-                  <c:v>18.0</c:v>
-                </c:pt>
-                <c:pt idx="18">
-                  <c:v>19.0</c:v>
-                </c:pt>
-                <c:pt idx="19">
-                  <c:v>20.0</c:v>
-                </c:pt>
-                <c:pt idx="20">
-                  <c:v>21.0</c:v>
-                </c:pt>
-                <c:pt idx="21">
-                  <c:v>22.0</c:v>
-                </c:pt>
-                <c:pt idx="22">
-                  <c:v>23.0</c:v>
-                </c:pt>
-                <c:pt idx="23">
-                  <c:v>24.0</c:v>
-                </c:pt>
-                <c:pt idx="24">
-                  <c:v>25.0</c:v>
-                </c:pt>
-                <c:pt idx="25">
-                  <c:v>26.0</c:v>
-                </c:pt>
-                <c:pt idx="26">
-                  <c:v>27.0</c:v>
-                </c:pt>
-                <c:pt idx="27">
-                  <c:v>28.0</c:v>
-                </c:pt>
-                <c:pt idx="28">
-                  <c:v>29.0</c:v>
-                </c:pt>
-                <c:pt idx="29">
-                  <c:v>30.0</c:v>
-                </c:pt>
-                <c:pt idx="30">
-                  <c:v>31.0</c:v>
-                </c:pt>
-                <c:pt idx="31">
-                  <c:v>32.0</c:v>
-                </c:pt>
-                <c:pt idx="32">
-                  <c:v>33.0</c:v>
-                </c:pt>
-                <c:pt idx="33">
-                  <c:v>34.0</c:v>
-                </c:pt>
-                <c:pt idx="34">
-                  <c:v>35.0</c:v>
-                </c:pt>
-                <c:pt idx="35">
-                  <c:v>36.0</c:v>
-                </c:pt>
-                <c:pt idx="36">
-                  <c:v>37.0</c:v>
-                </c:pt>
-                <c:pt idx="37">
-                  <c:v>38.0</c:v>
-                </c:pt>
-              </c:numCache>
-            </c:numRef>
-          </c:cat>
-          <c:val>
-            <c:numRef>
-              <c:f>'compare_leagues_2015-2016'!$B$41:$B$78</c:f>
-              <c:numCache>
-                <c:formatCode>General</c:formatCode>
-                <c:ptCount val="38"/>
-                <c:pt idx="0">
-                  <c:v>-0.35</c:v>
-                </c:pt>
-                <c:pt idx="1">
-                  <c:v>1.28</c:v>
-                </c:pt>
-                <c:pt idx="2">
-                  <c:v>6.23</c:v>
-                </c:pt>
-                <c:pt idx="3">
-                  <c:v>12.19</c:v>
-                </c:pt>
-                <c:pt idx="4">
-                  <c:v>12.26</c:v>
-                </c:pt>
-                <c:pt idx="5">
-                  <c:v>8.710000000000001</c:v>
-                </c:pt>
-                <c:pt idx="6">
-                  <c:v>3.71</c:v>
-                </c:pt>
-                <c:pt idx="7">
-                  <c:v>6.98</c:v>
-                </c:pt>
-                <c:pt idx="8">
-                  <c:v>8.239999999999998</c:v>
-                </c:pt>
-                <c:pt idx="9">
-                  <c:v>8.28</c:v>
-                </c:pt>
-                <c:pt idx="10">
-                  <c:v>10.88</c:v>
-                </c:pt>
-                <c:pt idx="11">
-                  <c:v>11.75</c:v>
-                </c:pt>
-                <c:pt idx="12">
-                  <c:v>13.19</c:v>
-                </c:pt>
-                <c:pt idx="13">
-                  <c:v>10.86</c:v>
-                </c:pt>
-                <c:pt idx="14">
-                  <c:v>11.96</c:v>
-                </c:pt>
-                <c:pt idx="15">
-                  <c:v>11.5</c:v>
-                </c:pt>
-                <c:pt idx="16">
-                  <c:v>11.56</c:v>
-                </c:pt>
-                <c:pt idx="17">
-                  <c:v>8.76</c:v>
-                </c:pt>
-                <c:pt idx="18">
-                  <c:v>9.82</c:v>
-                </c:pt>
-                <c:pt idx="19">
-                  <c:v>9.630000000000001</c:v>
-                </c:pt>
-                <c:pt idx="20">
-                  <c:v>9.16</c:v>
-                </c:pt>
-                <c:pt idx="21">
-                  <c:v>11.4</c:v>
-                </c:pt>
-                <c:pt idx="22">
-                  <c:v>12.99</c:v>
-                </c:pt>
-                <c:pt idx="23">
-                  <c:v>13.73</c:v>
-                </c:pt>
-                <c:pt idx="24">
-                  <c:v>14.73</c:v>
-                </c:pt>
-                <c:pt idx="25">
-                  <c:v>17.79</c:v>
-                </c:pt>
-                <c:pt idx="26">
-                  <c:v>17.83</c:v>
-                </c:pt>
-                <c:pt idx="27">
-                  <c:v>19.38</c:v>
-                </c:pt>
-                <c:pt idx="28">
-                  <c:v>18.13</c:v>
-                </c:pt>
-                <c:pt idx="29">
-                  <c:v>15.37</c:v>
-                </c:pt>
-                <c:pt idx="30">
-                  <c:v>11.77</c:v>
-                </c:pt>
-                <c:pt idx="31">
-                  <c:v>13.57</c:v>
-                </c:pt>
-                <c:pt idx="32">
-                  <c:v>11.08</c:v>
-                </c:pt>
-                <c:pt idx="33">
-                  <c:v>12.45</c:v>
-                </c:pt>
-                <c:pt idx="34">
-                  <c:v>11.15</c:v>
-                </c:pt>
-                <c:pt idx="35">
-                  <c:v>13.33</c:v>
-                </c:pt>
-                <c:pt idx="36">
-                  <c:v>11.57</c:v>
-                </c:pt>
-                <c:pt idx="37">
-                  <c:v>13.24</c:v>
-                </c:pt>
-              </c:numCache>
-            </c:numRef>
-          </c:val>
-          <c:smooth val="0"/>
-        </c:ser>
-        <c:ser>
-          <c:idx val="2"/>
-          <c:order val="2"/>
-          <c:spPr>
-            <a:ln w="19050" cap="rnd">
-              <a:solidFill>
-                <a:schemeClr val="accent3"/>
-              </a:solidFill>
-              <a:round/>
-            </a:ln>
-            <a:effectLst/>
-          </c:spPr>
-          <c:marker>
-            <c:symbol val="none"/>
-          </c:marker>
-          <c:cat>
-            <c:numRef>
-              <c:f>'compare_leagues_2015-2016'!$A$2:$A$39</c:f>
-              <c:numCache>
-                <c:formatCode>General</c:formatCode>
-                <c:ptCount val="38"/>
-                <c:pt idx="0">
-                  <c:v>1.0</c:v>
-                </c:pt>
-                <c:pt idx="1">
-                  <c:v>2.0</c:v>
-                </c:pt>
-                <c:pt idx="2">
-                  <c:v>3.0</c:v>
-                </c:pt>
-                <c:pt idx="3">
-                  <c:v>4.0</c:v>
-                </c:pt>
-                <c:pt idx="4">
-                  <c:v>5.0</c:v>
-                </c:pt>
-                <c:pt idx="5">
-                  <c:v>6.0</c:v>
-                </c:pt>
-                <c:pt idx="6">
-                  <c:v>7.0</c:v>
-                </c:pt>
-                <c:pt idx="7">
-                  <c:v>8.0</c:v>
-                </c:pt>
-                <c:pt idx="8">
-                  <c:v>9.0</c:v>
-                </c:pt>
-                <c:pt idx="9">
-                  <c:v>10.0</c:v>
-                </c:pt>
-                <c:pt idx="10">
-                  <c:v>11.0</c:v>
-                </c:pt>
-                <c:pt idx="11">
-                  <c:v>12.0</c:v>
-                </c:pt>
-                <c:pt idx="12">
-                  <c:v>13.0</c:v>
-                </c:pt>
-                <c:pt idx="13">
-                  <c:v>14.0</c:v>
-                </c:pt>
-                <c:pt idx="14">
-                  <c:v>15.0</c:v>
-                </c:pt>
-                <c:pt idx="15">
-                  <c:v>16.0</c:v>
-                </c:pt>
-                <c:pt idx="16">
-                  <c:v>17.0</c:v>
-                </c:pt>
-                <c:pt idx="17">
-                  <c:v>18.0</c:v>
-                </c:pt>
-                <c:pt idx="18">
-                  <c:v>19.0</c:v>
-                </c:pt>
-                <c:pt idx="19">
-                  <c:v>20.0</c:v>
-                </c:pt>
-                <c:pt idx="20">
-                  <c:v>21.0</c:v>
-                </c:pt>
-                <c:pt idx="21">
-                  <c:v>22.0</c:v>
-                </c:pt>
-                <c:pt idx="22">
-                  <c:v>23.0</c:v>
-                </c:pt>
-                <c:pt idx="23">
-                  <c:v>24.0</c:v>
-                </c:pt>
-                <c:pt idx="24">
-                  <c:v>25.0</c:v>
-                </c:pt>
-                <c:pt idx="25">
-                  <c:v>26.0</c:v>
-                </c:pt>
-                <c:pt idx="26">
-                  <c:v>27.0</c:v>
-                </c:pt>
-                <c:pt idx="27">
-                  <c:v>28.0</c:v>
-                </c:pt>
-                <c:pt idx="28">
-                  <c:v>29.0</c:v>
-                </c:pt>
-                <c:pt idx="29">
-                  <c:v>30.0</c:v>
-                </c:pt>
-                <c:pt idx="30">
-                  <c:v>31.0</c:v>
-                </c:pt>
-                <c:pt idx="31">
-                  <c:v>32.0</c:v>
-                </c:pt>
-                <c:pt idx="32">
-                  <c:v>33.0</c:v>
-                </c:pt>
-                <c:pt idx="33">
-                  <c:v>34.0</c:v>
-                </c:pt>
-                <c:pt idx="34">
-                  <c:v>35.0</c:v>
-                </c:pt>
-                <c:pt idx="35">
-                  <c:v>36.0</c:v>
-                </c:pt>
-                <c:pt idx="36">
-                  <c:v>37.0</c:v>
-                </c:pt>
-                <c:pt idx="37">
-                  <c:v>38.0</c:v>
-                </c:pt>
-              </c:numCache>
-            </c:numRef>
-          </c:cat>
-          <c:val>
-            <c:numRef>
-              <c:f>'compare_leagues_2015-2016'!$C$2:$C$39</c:f>
-              <c:numCache>
-                <c:formatCode>General</c:formatCode>
-                <c:ptCount val="38"/>
-                <c:pt idx="0">
-                  <c:v>0.0</c:v>
-                </c:pt>
-                <c:pt idx="1">
-                  <c:v>0.0</c:v>
-                </c:pt>
-                <c:pt idx="2">
-                  <c:v>0.0</c:v>
-                </c:pt>
-                <c:pt idx="3">
-                  <c:v>0.0</c:v>
-                </c:pt>
-                <c:pt idx="4">
-                  <c:v>0.0</c:v>
-                </c:pt>
-                <c:pt idx="5">
-                  <c:v>0.0</c:v>
-                </c:pt>
-                <c:pt idx="6">
-                  <c:v>0.0</c:v>
-                </c:pt>
-                <c:pt idx="7">
-                  <c:v>0.0</c:v>
-                </c:pt>
-                <c:pt idx="8">
-                  <c:v>0.0</c:v>
-                </c:pt>
-                <c:pt idx="9">
-                  <c:v>0.0</c:v>
-                </c:pt>
-                <c:pt idx="10">
-                  <c:v>0.0</c:v>
-                </c:pt>
-                <c:pt idx="11">
-                  <c:v>0.0</c:v>
-                </c:pt>
-                <c:pt idx="12">
-                  <c:v>0.0</c:v>
-                </c:pt>
-                <c:pt idx="13">
-                  <c:v>0.0</c:v>
-                </c:pt>
-                <c:pt idx="14">
-                  <c:v>0.0</c:v>
-                </c:pt>
-                <c:pt idx="15">
-                  <c:v>0.0</c:v>
-                </c:pt>
-                <c:pt idx="16">
-                  <c:v>0.0</c:v>
-                </c:pt>
-                <c:pt idx="17">
-                  <c:v>0.0</c:v>
-                </c:pt>
-                <c:pt idx="18">
-                  <c:v>0.0</c:v>
-                </c:pt>
-                <c:pt idx="19">
-                  <c:v>0.0</c:v>
-                </c:pt>
-                <c:pt idx="20">
-                  <c:v>0.0</c:v>
-                </c:pt>
-                <c:pt idx="21">
-                  <c:v>0.0</c:v>
-                </c:pt>
-                <c:pt idx="22">
-                  <c:v>0.0</c:v>
-                </c:pt>
-                <c:pt idx="23">
-                  <c:v>0.0</c:v>
-                </c:pt>
-                <c:pt idx="24">
-                  <c:v>0.0</c:v>
-                </c:pt>
-                <c:pt idx="25">
-                  <c:v>0.0</c:v>
-                </c:pt>
-                <c:pt idx="26">
-                  <c:v>0.0</c:v>
-                </c:pt>
-                <c:pt idx="27">
-                  <c:v>0.0</c:v>
-                </c:pt>
-                <c:pt idx="28">
-                  <c:v>0.0</c:v>
-                </c:pt>
-                <c:pt idx="29">
-                  <c:v>0.0</c:v>
-                </c:pt>
-                <c:pt idx="30">
-                  <c:v>0.0</c:v>
-                </c:pt>
-                <c:pt idx="31">
-                  <c:v>0.0</c:v>
-                </c:pt>
-                <c:pt idx="32">
-                  <c:v>0.0</c:v>
-                </c:pt>
-                <c:pt idx="33">
-                  <c:v>0.0</c:v>
-                </c:pt>
-                <c:pt idx="34">
-                  <c:v>0.0</c:v>
-                </c:pt>
-                <c:pt idx="35">
-                  <c:v>0.0</c:v>
-                </c:pt>
-                <c:pt idx="36">
-                  <c:v>0.0</c:v>
-                </c:pt>
-                <c:pt idx="37">
-                  <c:v>0.0</c:v>
-                </c:pt>
-              </c:numCache>
-            </c:numRef>
-          </c:val>
-          <c:smooth val="0"/>
-        </c:ser>
-        <c:ser>
-          <c:idx val="3"/>
-          <c:order val="3"/>
-          <c:tx>
-            <c:strRef>
-              <c:f>'compare_leagues_2015-2016'!$A$79</c:f>
-              <c:strCache>
-                <c:ptCount val="1"/>
-                <c:pt idx="0">
-                  <c:v>Germany</c:v>
-                </c:pt>
-              </c:strCache>
-            </c:strRef>
-          </c:tx>
-          <c:spPr>
-            <a:ln w="19050" cap="rnd">
-              <a:solidFill>
-                <a:schemeClr val="accent4"/>
-              </a:solidFill>
-              <a:round/>
-            </a:ln>
-            <a:effectLst/>
-          </c:spPr>
-          <c:marker>
-            <c:symbol val="none"/>
-          </c:marker>
-          <c:val>
-            <c:numRef>
-              <c:f>'compare_leagues_2015-2016'!$B$80:$B$113</c:f>
-              <c:numCache>
-                <c:formatCode>General</c:formatCode>
-                <c:ptCount val="34"/>
-                <c:pt idx="0">
-                  <c:v>-0.42</c:v>
-                </c:pt>
-                <c:pt idx="1">
-                  <c:v>-1.34</c:v>
-                </c:pt>
-                <c:pt idx="2">
-                  <c:v>0.19</c:v>
-                </c:pt>
-                <c:pt idx="3">
-                  <c:v>1.07</c:v>
-                </c:pt>
-                <c:pt idx="4">
-                  <c:v>1.72</c:v>
-                </c:pt>
-                <c:pt idx="5">
-                  <c:v>1.9</c:v>
-                </c:pt>
-                <c:pt idx="6">
-                  <c:v>3.2</c:v>
-                </c:pt>
-                <c:pt idx="7">
-                  <c:v>0.7</c:v>
-                </c:pt>
-                <c:pt idx="8">
-                  <c:v>1.0</c:v>
-                </c:pt>
-                <c:pt idx="9">
-                  <c:v>4.42</c:v>
-                </c:pt>
-                <c:pt idx="10">
-                  <c:v>4.819999999999999</c:v>
-                </c:pt>
-                <c:pt idx="11">
-                  <c:v>7.22</c:v>
-                </c:pt>
-                <c:pt idx="12">
-                  <c:v>8.51</c:v>
-                </c:pt>
-                <c:pt idx="13">
-                  <c:v>9.99</c:v>
-                </c:pt>
-                <c:pt idx="14">
-                  <c:v>8.19</c:v>
-                </c:pt>
-                <c:pt idx="15">
-                  <c:v>4.359999999999999</c:v>
-                </c:pt>
-                <c:pt idx="16">
-                  <c:v>5.23</c:v>
-                </c:pt>
-                <c:pt idx="17">
-                  <c:v>2.45</c:v>
-                </c:pt>
-                <c:pt idx="18">
-                  <c:v>0.78</c:v>
-                </c:pt>
-                <c:pt idx="19">
-                  <c:v>0.88</c:v>
-                </c:pt>
-                <c:pt idx="20">
-                  <c:v>-1.76</c:v>
-                </c:pt>
-                <c:pt idx="21">
-                  <c:v>-2.01</c:v>
-                </c:pt>
-                <c:pt idx="22">
-                  <c:v>-3.43</c:v>
-                </c:pt>
-                <c:pt idx="23">
-                  <c:v>-3.53</c:v>
-                </c:pt>
-                <c:pt idx="24">
-                  <c:v>-2.74</c:v>
-                </c:pt>
-                <c:pt idx="25">
-                  <c:v>1.54</c:v>
-                </c:pt>
-                <c:pt idx="26">
-                  <c:v>2.18</c:v>
-                </c:pt>
-                <c:pt idx="27">
-                  <c:v>4.72</c:v>
-                </c:pt>
-                <c:pt idx="28">
-                  <c:v>2.22</c:v>
-                </c:pt>
-                <c:pt idx="29">
-                  <c:v>-0.27</c:v>
-                </c:pt>
-                <c:pt idx="30">
-                  <c:v>1.38</c:v>
-                </c:pt>
-                <c:pt idx="31">
-                  <c:v>-0.41</c:v>
-                </c:pt>
-                <c:pt idx="32">
-                  <c:v>-2.5</c:v>
-                </c:pt>
-                <c:pt idx="33">
-                  <c:v>0.38</c:v>
-                </c:pt>
-              </c:numCache>
-            </c:numRef>
-          </c:val>
-          <c:smooth val="0"/>
-        </c:ser>
-        <c:ser>
-          <c:idx val="4"/>
-          <c:order val="4"/>
-          <c:tx>
-            <c:strRef>
-              <c:f>'compare_leagues_2015-2016'!$A$114</c:f>
-              <c:strCache>
-                <c:ptCount val="1"/>
-                <c:pt idx="0">
-                  <c:v>France</c:v>
-                </c:pt>
-              </c:strCache>
-            </c:strRef>
-          </c:tx>
-          <c:spPr>
-            <a:ln w="19050" cap="rnd">
-              <a:solidFill>
-                <a:schemeClr val="accent5"/>
-              </a:solidFill>
-              <a:round/>
-            </a:ln>
-            <a:effectLst/>
-          </c:spPr>
-          <c:marker>
-            <c:symbol val="none"/>
-          </c:marker>
-          <c:val>
-            <c:numRef>
-              <c:f>'compare_leagues_2015-2016'!$B$115:$B$152</c:f>
-              <c:numCache>
-                <c:formatCode>General</c:formatCode>
-                <c:ptCount val="38"/>
-                <c:pt idx="0">
-                  <c:v>-0.43</c:v>
-                </c:pt>
-                <c:pt idx="1">
-                  <c:v>-2.23</c:v>
-                </c:pt>
-                <c:pt idx="2">
-                  <c:v>-3.78</c:v>
-                </c:pt>
-                <c:pt idx="3">
-                  <c:v>-5.53</c:v>
-                </c:pt>
-                <c:pt idx="4">
-                  <c:v>-2.93</c:v>
-                </c:pt>
-                <c:pt idx="5">
-                  <c:v>-6.26</c:v>
-                </c:pt>
-                <c:pt idx="6">
-                  <c:v>-5.359999999999999</c:v>
-                </c:pt>
-                <c:pt idx="7">
-                  <c:v>-5.08</c:v>
-                </c:pt>
-                <c:pt idx="8">
-                  <c:v>-5.75</c:v>
-                </c:pt>
-                <c:pt idx="9">
-                  <c:v>-5.52</c:v>
-                </c:pt>
-                <c:pt idx="10">
-                  <c:v>-0.92</c:v>
-                </c:pt>
-                <c:pt idx="11">
-                  <c:v>-1.1</c:v>
-                </c:pt>
-                <c:pt idx="12">
-                  <c:v>-2.72</c:v>
-                </c:pt>
-                <c:pt idx="13">
-                  <c:v>-5.28</c:v>
-                </c:pt>
-                <c:pt idx="14">
-                  <c:v>-7.37</c:v>
-                </c:pt>
-                <c:pt idx="15">
-                  <c:v>-12.37</c:v>
-                </c:pt>
-                <c:pt idx="16">
-                  <c:v>-12.72</c:v>
-                </c:pt>
-                <c:pt idx="17">
-                  <c:v>-13.42</c:v>
-                </c:pt>
-                <c:pt idx="18">
-                  <c:v>-13.72</c:v>
-                </c:pt>
-                <c:pt idx="19">
-                  <c:v>-16.29</c:v>
-                </c:pt>
-                <c:pt idx="20">
-                  <c:v>-14.41</c:v>
-                </c:pt>
-                <c:pt idx="21">
-                  <c:v>-16.56</c:v>
-                </c:pt>
-                <c:pt idx="22">
-                  <c:v>-18.03</c:v>
-                </c:pt>
-                <c:pt idx="23">
-                  <c:v>-14.29</c:v>
-                </c:pt>
-                <c:pt idx="24">
-                  <c:v>-11.96</c:v>
-                </c:pt>
-                <c:pt idx="25">
-                  <c:v>-16.96</c:v>
-                </c:pt>
-                <c:pt idx="26">
-                  <c:v>-16.22</c:v>
-                </c:pt>
-                <c:pt idx="27">
-                  <c:v>-17.02</c:v>
-                </c:pt>
-                <c:pt idx="28">
-                  <c:v>-20.57</c:v>
-                </c:pt>
-                <c:pt idx="29">
-                  <c:v>-24.32</c:v>
-                </c:pt>
-                <c:pt idx="30">
-                  <c:v>-24.91</c:v>
-                </c:pt>
-                <c:pt idx="31">
-                  <c:v>-27.34</c:v>
-                </c:pt>
-                <c:pt idx="32">
-                  <c:v>-25.15</c:v>
-                </c:pt>
-                <c:pt idx="33">
-                  <c:v>-28.79</c:v>
-                </c:pt>
-                <c:pt idx="34">
-                  <c:v>-29.44</c:v>
-                </c:pt>
-                <c:pt idx="35">
-                  <c:v>-25.21</c:v>
-                </c:pt>
-                <c:pt idx="36">
-                  <c:v>-23.68</c:v>
-                </c:pt>
-                <c:pt idx="37">
-                  <c:v>-24.99</c:v>
-                </c:pt>
-              </c:numCache>
-            </c:numRef>
-          </c:val>
-          <c:smooth val="0"/>
-        </c:ser>
-        <c:ser>
-          <c:idx val="5"/>
-          <c:order val="5"/>
-          <c:tx>
-            <c:strRef>
-              <c:f>'compare_leagues_2015-2016'!$A$153</c:f>
-              <c:strCache>
-                <c:ptCount val="1"/>
-                <c:pt idx="0">
-                  <c:v>England</c:v>
-                </c:pt>
-              </c:strCache>
-            </c:strRef>
-          </c:tx>
-          <c:spPr>
-            <a:ln w="19050" cap="rnd">
-              <a:solidFill>
-                <a:schemeClr val="accent6"/>
-              </a:solidFill>
-              <a:round/>
-            </a:ln>
-            <a:effectLst/>
-          </c:spPr>
-          <c:marker>
-            <c:symbol val="none"/>
-          </c:marker>
-          <c:val>
-            <c:numRef>
-              <c:f>'compare_leagues_2015-2016'!$B$154:$B$191</c:f>
-              <c:numCache>
-                <c:formatCode>General</c:formatCode>
-                <c:ptCount val="38"/>
-                <c:pt idx="0">
-                  <c:v>-2.33</c:v>
-                </c:pt>
-                <c:pt idx="1">
-                  <c:v>-2.93</c:v>
-                </c:pt>
-                <c:pt idx="2">
-                  <c:v>-3.46</c:v>
-                </c:pt>
-                <c:pt idx="3">
-                  <c:v>-7.46</c:v>
-                </c:pt>
-                <c:pt idx="4">
-                  <c:v>-7.59</c:v>
-                </c:pt>
-                <c:pt idx="5">
-                  <c:v>-7.59</c:v>
-                </c:pt>
-                <c:pt idx="6">
-                  <c:v>-8.06</c:v>
-                </c:pt>
-                <c:pt idx="7">
-                  <c:v>-3.66</c:v>
-                </c:pt>
-                <c:pt idx="8">
-                  <c:v>-2.95</c:v>
-                </c:pt>
-                <c:pt idx="9">
-                  <c:v>0.29</c:v>
-                </c:pt>
-                <c:pt idx="10">
-                  <c:v>-0.23</c:v>
-                </c:pt>
-                <c:pt idx="11">
-                  <c:v>-1.1</c:v>
-                </c:pt>
-                <c:pt idx="12">
-                  <c:v>-1.03</c:v>
-                </c:pt>
-                <c:pt idx="13">
-                  <c:v>-4.03</c:v>
-                </c:pt>
-                <c:pt idx="14">
-                  <c:v>-5.99</c:v>
-                </c:pt>
-                <c:pt idx="15">
-                  <c:v>-4.22</c:v>
-                </c:pt>
-                <c:pt idx="16">
-                  <c:v>-4.44</c:v>
-                </c:pt>
-                <c:pt idx="17">
-                  <c:v>-8.239999999999998</c:v>
-                </c:pt>
-                <c:pt idx="18">
-                  <c:v>-9.34</c:v>
-                </c:pt>
-                <c:pt idx="19">
-                  <c:v>-8.55</c:v>
-                </c:pt>
-                <c:pt idx="20">
-                  <c:v>-13.55</c:v>
-                </c:pt>
-                <c:pt idx="21">
-                  <c:v>-15.79</c:v>
-                </c:pt>
-                <c:pt idx="22">
-                  <c:v>-18.79</c:v>
-                </c:pt>
-                <c:pt idx="23">
-                  <c:v>-16.95</c:v>
-                </c:pt>
-                <c:pt idx="24">
-                  <c:v>-13.22</c:v>
-                </c:pt>
-                <c:pt idx="25">
-                  <c:v>-17.37</c:v>
-                </c:pt>
-                <c:pt idx="26">
-                  <c:v>-17.67</c:v>
-                </c:pt>
-                <c:pt idx="27">
-                  <c:v>-19.06</c:v>
-                </c:pt>
-                <c:pt idx="28">
-                  <c:v>-21.84</c:v>
-                </c:pt>
-                <c:pt idx="29">
-                  <c:v>-22.77</c:v>
-                </c:pt>
-                <c:pt idx="30">
-                  <c:v>-22.6</c:v>
-                </c:pt>
-                <c:pt idx="31">
-                  <c:v>-19.48</c:v>
-                </c:pt>
-                <c:pt idx="32">
-                  <c:v>-16.47</c:v>
-                </c:pt>
-                <c:pt idx="33">
-                  <c:v>-17.95</c:v>
-                </c:pt>
-                <c:pt idx="34">
-                  <c:v>-18.37</c:v>
-                </c:pt>
-                <c:pt idx="35">
-                  <c:v>-18.68</c:v>
-                </c:pt>
-                <c:pt idx="36">
-                  <c:v>-19.86</c:v>
-                </c:pt>
-                <c:pt idx="37">
-                  <c:v>-20.89</c:v>
-                </c:pt>
-              </c:numCache>
-            </c:numRef>
-          </c:val>
-          <c:smooth val="0"/>
-        </c:ser>
-        <c:dLbls>
-          <c:showLegendKey val="0"/>
-          <c:showVal val="0"/>
-          <c:showCatName val="0"/>
-          <c:showSerName val="0"/>
-          <c:showPercent val="0"/>
-          <c:showBubbleSize val="0"/>
-        </c:dLbls>
-        <c:smooth val="0"/>
-        <c:axId val="53661840"/>
-        <c:axId val="53664592"/>
-      </c:lineChart>
-      <c:catAx>
-        <c:axId val="53661840"/>
-        <c:scaling>
-          <c:orientation val="minMax"/>
-        </c:scaling>
-        <c:delete val="0"/>
-        <c:axPos val="b"/>
-        <c:numFmt formatCode="General" sourceLinked="1"/>
-        <c:majorTickMark val="none"/>
-        <c:minorTickMark val="none"/>
-        <c:tickLblPos val="nextTo"/>
-        <c:spPr>
-          <a:noFill/>
-          <a:ln w="9525" cap="flat" cmpd="sng" algn="ctr">
-            <a:solidFill>
-              <a:schemeClr val="tx1">
-                <a:lumMod val="25000"/>
-                <a:lumOff val="75000"/>
-              </a:schemeClr>
-            </a:solidFill>
-            <a:round/>
-          </a:ln>
-          <a:effectLst/>
-        </c:spPr>
-        <c:txPr>
-          <a:bodyPr rot="-60000000" spcFirstLastPara="1" vertOverflow="ellipsis" vert="horz" wrap="square" anchor="ctr" anchorCtr="1"/>
-          <a:lstStyle/>
-          <a:p>
-            <a:pPr>
-              <a:defRPr sz="900" b="0" i="0" u="none" strike="noStrike" kern="1200" baseline="0">
-                <a:solidFill>
-                  <a:schemeClr val="tx1">
-                    <a:lumMod val="65000"/>
-                    <a:lumOff val="35000"/>
-                  </a:schemeClr>
-                </a:solidFill>
-                <a:latin typeface="+mn-lt"/>
-                <a:ea typeface="+mn-ea"/>
-                <a:cs typeface="+mn-cs"/>
-              </a:defRPr>
-            </a:pPr>
-            <a:endParaRPr lang="en-US"/>
-          </a:p>
-        </c:txPr>
-        <c:crossAx val="53664592"/>
-        <c:crosses val="autoZero"/>
-        <c:auto val="1"/>
-        <c:lblAlgn val="ctr"/>
-        <c:lblOffset val="100"/>
-        <c:noMultiLvlLbl val="0"/>
-      </c:catAx>
-      <c:valAx>
-        <c:axId val="53664592"/>
-        <c:scaling>
-          <c:orientation val="minMax"/>
-        </c:scaling>
-        <c:delete val="0"/>
-        <c:axPos val="l"/>
-        <c:majorGridlines>
-          <c:spPr>
-            <a:ln w="9525" cap="flat" cmpd="sng" algn="ctr">
-              <a:solidFill>
-                <a:schemeClr val="tx1">
-                  <a:lumMod val="15000"/>
-                  <a:lumOff val="85000"/>
-                </a:schemeClr>
-              </a:solidFill>
-              <a:round/>
-            </a:ln>
-            <a:effectLst/>
-          </c:spPr>
-        </c:majorGridlines>
-        <c:numFmt formatCode="General" sourceLinked="0"/>
-        <c:majorTickMark val="none"/>
-        <c:minorTickMark val="none"/>
-        <c:tickLblPos val="nextTo"/>
-        <c:spPr>
-          <a:noFill/>
-          <a:ln w="9525" cap="flat" cmpd="sng" algn="ctr">
-            <a:solidFill>
-              <a:schemeClr val="tx1">
-                <a:lumMod val="25000"/>
-                <a:lumOff val="75000"/>
-              </a:schemeClr>
-            </a:solidFill>
-            <a:round/>
-          </a:ln>
-          <a:effectLst/>
-        </c:spPr>
-        <c:txPr>
-          <a:bodyPr rot="-60000000" spcFirstLastPara="1" vertOverflow="ellipsis" vert="horz" wrap="square" anchor="ctr" anchorCtr="1"/>
-          <a:lstStyle/>
-          <a:p>
-            <a:pPr>
-              <a:defRPr sz="900" b="0" i="0" u="none" strike="noStrike" kern="1200" baseline="0">
-                <a:solidFill>
-                  <a:schemeClr val="tx1">
-                    <a:lumMod val="65000"/>
-                    <a:lumOff val="35000"/>
-                  </a:schemeClr>
-                </a:solidFill>
-                <a:latin typeface="+mn-lt"/>
-                <a:ea typeface="+mn-ea"/>
-                <a:cs typeface="+mn-cs"/>
-              </a:defRPr>
-            </a:pPr>
-            <a:endParaRPr lang="en-US"/>
-          </a:p>
-        </c:txPr>
-        <c:crossAx val="53661840"/>
-        <c:crosses val="autoZero"/>
-        <c:crossBetween val="between"/>
-      </c:valAx>
-      <c:spPr>
-        <a:noFill/>
-        <a:ln w="25400">
-          <a:noFill/>
-        </a:ln>
-        <a:effectLst/>
-      </c:spPr>
-    </c:plotArea>
-    <c:legend>
-      <c:legendPos val="r"/>
-      <c:legendEntry>
-        <c:idx val="2"/>
-        <c:delete val="1"/>
-      </c:legendEntry>
-      <c:layout/>
-      <c:overlay val="0"/>
-      <c:spPr>
-        <a:noFill/>
-        <a:ln>
-          <a:noFill/>
-        </a:ln>
-        <a:effectLst/>
-      </c:spPr>
-      <c:txPr>
-        <a:bodyPr rot="0" spcFirstLastPara="1" vertOverflow="ellipsis" vert="horz" wrap="square" anchor="ctr" anchorCtr="1"/>
-        <a:lstStyle/>
-        <a:p>
-          <a:pPr>
-            <a:defRPr sz="900" b="0" i="0" u="none" strike="noStrike" kern="1200" baseline="0">
-              <a:solidFill>
-                <a:schemeClr val="tx1">
-                  <a:lumMod val="65000"/>
-                  <a:lumOff val="35000"/>
-                </a:schemeClr>
-              </a:solidFill>
-              <a:latin typeface="+mn-lt"/>
-              <a:ea typeface="+mn-ea"/>
-              <a:cs typeface="+mn-cs"/>
-            </a:defRPr>
-          </a:pPr>
-          <a:endParaRPr lang="en-US"/>
-        </a:p>
-      </c:txPr>
-    </c:legend>
-    <c:plotVisOnly val="1"/>
-    <c:dispBlanksAs val="gap"/>
-    <c:showDLblsOverMax val="0"/>
-  </c:chart>
-  <c:spPr>
-    <a:noFill/>
-    <a:ln>
-      <a:noFill/>
-    </a:ln>
-    <a:effectLst/>
-  </c:spPr>
-  <c:txPr>
-    <a:bodyPr/>
-    <a:lstStyle/>
-    <a:p>
-      <a:pPr>
-        <a:defRPr/>
-      </a:pPr>
-      <a:endParaRPr lang="en-US"/>
-    </a:p>
-  </c:txPr>
-  <c:externalData r:id="rId3">
-    <c:autoUpdate val="0"/>
-  </c:externalData>
-</c:chartSpace>
-</file>
-
-<file path=ppt/charts/chart13.xml><?xml version="1.0" encoding="utf-8"?>
-<c:chartSpace xmlns:c="http://schemas.openxmlformats.org/drawingml/2006/chart" xmlns:a="http://schemas.openxmlformats.org/drawingml/2006/main" xmlns:r="http://schemas.openxmlformats.org/officeDocument/2006/relationships">
-  <c:date1904 val="0"/>
-  <c:lang val="en-US"/>
-  <c:roundedCorners val="0"/>
-  <mc:AlternateContent xmlns:mc="http://schemas.openxmlformats.org/markup-compatibility/2006">
-    <mc:Choice xmlns:c14="http://schemas.microsoft.com/office/drawing/2007/8/2/chart" Requires="c14">
-      <c14:style val="102"/>
-    </mc:Choice>
-    <mc:Fallback>
-      <c:style val="2"/>
-    </mc:Fallback>
-  </mc:AlternateContent>
-  <c:chart>
     <c:autoTitleDeleted val="0"/>
     <c:plotArea>
       <c:layout>
@@ -4786,11 +3251,11 @@
         </c:dLbls>
         <c:gapWidth val="219"/>
         <c:overlap val="-27"/>
-        <c:axId val="53683104"/>
-        <c:axId val="53685856"/>
+        <c:axId val="234066560"/>
+        <c:axId val="234069312"/>
       </c:barChart>
       <c:catAx>
-        <c:axId val="53683104"/>
+        <c:axId val="234066560"/>
         <c:scaling>
           <c:orientation val="minMax"/>
         </c:scaling>
@@ -4833,7 +3298,7 @@
             <a:endParaRPr lang="en-US"/>
           </a:p>
         </c:txPr>
-        <c:crossAx val="53685856"/>
+        <c:crossAx val="234069312"/>
         <c:crosses val="autoZero"/>
         <c:auto val="1"/>
         <c:lblAlgn val="ctr"/>
@@ -4841,7 +3306,7 @@
         <c:noMultiLvlLbl val="0"/>
       </c:catAx>
       <c:valAx>
-        <c:axId val="53685856"/>
+        <c:axId val="234069312"/>
         <c:scaling>
           <c:orientation val="minMax"/>
         </c:scaling>
@@ -4892,7 +3357,7 @@
             <a:endParaRPr lang="en-US"/>
           </a:p>
         </c:txPr>
-        <c:crossAx val="53683104"/>
+        <c:crossAx val="234066560"/>
         <c:crosses val="autoZero"/>
         <c:crossBetween val="between"/>
       </c:valAx>
@@ -5386,11 +3851,11 @@
         </c:dLbls>
         <c:gapWidth val="219"/>
         <c:overlap val="-27"/>
-        <c:axId val="-32850432"/>
-        <c:axId val="-32847328"/>
+        <c:axId val="232493200"/>
+        <c:axId val="232495952"/>
       </c:barChart>
       <c:catAx>
-        <c:axId val="-32850432"/>
+        <c:axId val="232493200"/>
         <c:scaling>
           <c:orientation val="minMax"/>
         </c:scaling>
@@ -5433,7 +3898,7 @@
             <a:endParaRPr lang="en-US"/>
           </a:p>
         </c:txPr>
-        <c:crossAx val="-32847328"/>
+        <c:crossAx val="232495952"/>
         <c:crosses val="autoZero"/>
         <c:auto val="1"/>
         <c:lblAlgn val="ctr"/>
@@ -5441,7 +3906,7 @@
         <c:noMultiLvlLbl val="0"/>
       </c:catAx>
       <c:valAx>
-        <c:axId val="-32847328"/>
+        <c:axId val="232495952"/>
         <c:scaling>
           <c:orientation val="minMax"/>
         </c:scaling>
@@ -5492,7 +3957,7 @@
             <a:endParaRPr lang="en-US"/>
           </a:p>
         </c:txPr>
-        <c:crossAx val="-32850432"/>
+        <c:crossAx val="232493200"/>
         <c:crosses val="autoZero"/>
         <c:crossBetween val="between"/>
       </c:valAx>
@@ -5945,11 +4410,11 @@
         </c:dLbls>
         <c:gapWidth val="219"/>
         <c:overlap val="-27"/>
-        <c:axId val="52708128"/>
-        <c:axId val="52710448"/>
+        <c:axId val="232520928"/>
+        <c:axId val="232523680"/>
       </c:barChart>
       <c:catAx>
-        <c:axId val="52708128"/>
+        <c:axId val="232520928"/>
         <c:scaling>
           <c:orientation val="minMax"/>
         </c:scaling>
@@ -5992,7 +4457,7 @@
             <a:endParaRPr lang="en-US"/>
           </a:p>
         </c:txPr>
-        <c:crossAx val="52710448"/>
+        <c:crossAx val="232523680"/>
         <c:crosses val="autoZero"/>
         <c:auto val="1"/>
         <c:lblAlgn val="ctr"/>
@@ -6000,7 +4465,7 @@
         <c:noMultiLvlLbl val="0"/>
       </c:catAx>
       <c:valAx>
-        <c:axId val="52710448"/>
+        <c:axId val="232523680"/>
         <c:scaling>
           <c:orientation val="minMax"/>
         </c:scaling>
@@ -6051,7 +4516,7 @@
             <a:endParaRPr lang="en-US"/>
           </a:p>
         </c:txPr>
-        <c:crossAx val="52708128"/>
+        <c:crossAx val="232520928"/>
         <c:crosses val="autoZero"/>
         <c:crossBetween val="between"/>
       </c:valAx>
@@ -6396,11 +4861,11 @@
         </c:dLbls>
         <c:gapWidth val="219"/>
         <c:overlap val="-27"/>
-        <c:axId val="38940496"/>
-        <c:axId val="38943760"/>
+        <c:axId val="233838592"/>
+        <c:axId val="233841856"/>
       </c:barChart>
       <c:catAx>
-        <c:axId val="38940496"/>
+        <c:axId val="233838592"/>
         <c:scaling>
           <c:orientation val="minMax"/>
         </c:scaling>
@@ -6409,7 +4874,7 @@
         <c:majorTickMark val="none"/>
         <c:minorTickMark val="none"/>
         <c:tickLblPos val="nextTo"/>
-        <c:crossAx val="38943760"/>
+        <c:crossAx val="233841856"/>
         <c:crosses val="autoZero"/>
         <c:auto val="1"/>
         <c:lblAlgn val="ctr"/>
@@ -6417,7 +4882,7 @@
         <c:noMultiLvlLbl val="0"/>
       </c:catAx>
       <c:valAx>
-        <c:axId val="38943760"/>
+        <c:axId val="233841856"/>
         <c:scaling>
           <c:orientation val="minMax"/>
           <c:max val="0.6"/>
@@ -6469,7 +4934,7 @@
             <a:endParaRPr lang="en-US"/>
           </a:p>
         </c:txPr>
-        <c:crossAx val="38940496"/>
+        <c:crossAx val="233838592"/>
         <c:crosses val="autoZero"/>
         <c:crossBetween val="between"/>
       </c:valAx>
@@ -6826,11 +5291,11 @@
         </c:dLbls>
         <c:gapWidth val="219"/>
         <c:overlap val="-27"/>
-        <c:axId val="38971856"/>
-        <c:axId val="38975120"/>
+        <c:axId val="232545088"/>
+        <c:axId val="232548352"/>
       </c:barChart>
       <c:catAx>
-        <c:axId val="38971856"/>
+        <c:axId val="232545088"/>
         <c:scaling>
           <c:orientation val="minMax"/>
         </c:scaling>
@@ -6872,7 +5337,7 @@
             <a:endParaRPr lang="en-US"/>
           </a:p>
         </c:txPr>
-        <c:crossAx val="38975120"/>
+        <c:crossAx val="232548352"/>
         <c:crosses val="autoZero"/>
         <c:auto val="1"/>
         <c:lblAlgn val="ctr"/>
@@ -6880,7 +5345,7 @@
         <c:noMultiLvlLbl val="0"/>
       </c:catAx>
       <c:valAx>
-        <c:axId val="38975120"/>
+        <c:axId val="232548352"/>
         <c:scaling>
           <c:orientation val="minMax"/>
         </c:scaling>
@@ -6931,7 +5396,7 @@
             <a:endParaRPr lang="en-US"/>
           </a:p>
         </c:txPr>
-        <c:crossAx val="38971856"/>
+        <c:crossAx val="232545088"/>
         <c:crosses val="autoZero"/>
         <c:crossBetween val="between"/>
       </c:valAx>
@@ -7132,7 +5597,7 @@
                   <c:v>94.436521766471</c:v>
                 </c:pt>
                 <c:pt idx="3">
-                  <c:v>46.30703128724318</c:v>
+                  <c:v>46.30703128724316</c:v>
                 </c:pt>
                 <c:pt idx="4">
                   <c:v>17.03002005892695</c:v>
@@ -7160,11 +5625,11 @@
         </c:dLbls>
         <c:gapWidth val="219"/>
         <c:overlap val="-27"/>
-        <c:axId val="52747600"/>
-        <c:axId val="52750352"/>
+        <c:axId val="232606848"/>
+        <c:axId val="232609600"/>
       </c:barChart>
       <c:catAx>
-        <c:axId val="52747600"/>
+        <c:axId val="232606848"/>
         <c:scaling>
           <c:orientation val="minMax"/>
         </c:scaling>
@@ -7207,7 +5672,7 @@
             <a:endParaRPr lang="en-US"/>
           </a:p>
         </c:txPr>
-        <c:crossAx val="52750352"/>
+        <c:crossAx val="232609600"/>
         <c:crosses val="autoZero"/>
         <c:auto val="1"/>
         <c:lblAlgn val="ctr"/>
@@ -7215,7 +5680,7 @@
         <c:noMultiLvlLbl val="0"/>
       </c:catAx>
       <c:valAx>
-        <c:axId val="52750352"/>
+        <c:axId val="232609600"/>
         <c:scaling>
           <c:orientation val="minMax"/>
         </c:scaling>
@@ -7266,7 +5731,7 @@
             <a:endParaRPr lang="en-US"/>
           </a:p>
         </c:txPr>
-        <c:crossAx val="52747600"/>
+        <c:crossAx val="232606848"/>
         <c:crosses val="autoZero"/>
         <c:crossBetween val="between"/>
       </c:valAx>
@@ -7519,7 +5984,7 @@
                   <c:v>139.0719678394247</c:v>
                 </c:pt>
                 <c:pt idx="2">
-                  <c:v>76.85556117441888</c:v>
+                  <c:v>76.85556117441887</c:v>
                 </c:pt>
                 <c:pt idx="3">
                   <c:v>28.31520674847013</c:v>
@@ -7550,11 +6015,11 @@
         </c:dLbls>
         <c:gapWidth val="219"/>
         <c:overlap val="-27"/>
-        <c:axId val="53482624"/>
-        <c:axId val="53484832"/>
+        <c:axId val="232630848"/>
+        <c:axId val="232633600"/>
       </c:barChart>
       <c:catAx>
-        <c:axId val="53482624"/>
+        <c:axId val="232630848"/>
         <c:scaling>
           <c:orientation val="minMax"/>
         </c:scaling>
@@ -7597,7 +6062,7 @@
             <a:endParaRPr lang="en-US"/>
           </a:p>
         </c:txPr>
-        <c:crossAx val="53484832"/>
+        <c:crossAx val="232633600"/>
         <c:crosses val="autoZero"/>
         <c:auto val="1"/>
         <c:lblAlgn val="ctr"/>
@@ -7605,7 +6070,7 @@
         <c:noMultiLvlLbl val="0"/>
       </c:catAx>
       <c:valAx>
-        <c:axId val="53484832"/>
+        <c:axId val="232633600"/>
         <c:scaling>
           <c:orientation val="minMax"/>
         </c:scaling>
@@ -7656,7 +6121,7 @@
             <a:endParaRPr lang="en-US"/>
           </a:p>
         </c:txPr>
-        <c:crossAx val="53482624"/>
+        <c:crossAx val="232630848"/>
         <c:crosses val="autoZero"/>
         <c:crossBetween val="between"/>
       </c:valAx>
@@ -8287,7 +6752,7 @@
                   <c:v>-11.22</c:v>
                 </c:pt>
                 <c:pt idx="18">
-                  <c:v>-7.619999999999998</c:v>
+                  <c:v>-7.619999999999997</c:v>
                 </c:pt>
                 <c:pt idx="19">
                   <c:v>-10.96</c:v>
@@ -8623,11 +7088,11 @@
           <c:showBubbleSize val="0"/>
         </c:dLbls>
         <c:smooth val="0"/>
-        <c:axId val="53492672"/>
-        <c:axId val="53494992"/>
+        <c:axId val="232643792"/>
+        <c:axId val="232645840"/>
       </c:lineChart>
       <c:catAx>
-        <c:axId val="53492672"/>
+        <c:axId val="232643792"/>
         <c:scaling>
           <c:orientation val="minMax"/>
         </c:scaling>
@@ -8670,7 +7135,7 @@
             <a:endParaRPr lang="en-US"/>
           </a:p>
         </c:txPr>
-        <c:crossAx val="53494992"/>
+        <c:crossAx val="232645840"/>
         <c:crosses val="autoZero"/>
         <c:auto val="1"/>
         <c:lblAlgn val="ctr"/>
@@ -8678,7 +7143,7 @@
         <c:noMultiLvlLbl val="0"/>
       </c:catAx>
       <c:valAx>
-        <c:axId val="53494992"/>
+        <c:axId val="232645840"/>
         <c:scaling>
           <c:orientation val="minMax"/>
         </c:scaling>
@@ -8734,7 +7199,7 @@
             <a:endParaRPr lang="en-US"/>
           </a:p>
         </c:txPr>
-        <c:crossAx val="53492672"/>
+        <c:crossAx val="232643792"/>
         <c:crosses val="autoZero"/>
         <c:crossBetween val="between"/>
       </c:valAx>
@@ -9670,11 +8135,11 @@
           <c:showBubbleSize val="0"/>
         </c:dLbls>
         <c:smooth val="0"/>
-        <c:axId val="38370592"/>
-        <c:axId val="38373344"/>
+        <c:axId val="232684464"/>
+        <c:axId val="232687216"/>
       </c:lineChart>
       <c:catAx>
-        <c:axId val="38370592"/>
+        <c:axId val="232684464"/>
         <c:scaling>
           <c:orientation val="minMax"/>
         </c:scaling>
@@ -9717,7 +8182,7 @@
             <a:endParaRPr lang="en-US"/>
           </a:p>
         </c:txPr>
-        <c:crossAx val="38373344"/>
+        <c:crossAx val="232687216"/>
         <c:crosses val="autoZero"/>
         <c:auto val="1"/>
         <c:lblAlgn val="ctr"/>
@@ -9725,7 +8190,7 @@
         <c:noMultiLvlLbl val="0"/>
       </c:catAx>
       <c:valAx>
-        <c:axId val="38373344"/>
+        <c:axId val="232687216"/>
         <c:scaling>
           <c:orientation val="minMax"/>
         </c:scaling>
@@ -9782,7 +8247,7 @@
             <a:endParaRPr lang="en-US"/>
           </a:p>
         </c:txPr>
-        <c:crossAx val="38370592"/>
+        <c:crossAx val="232684464"/>
         <c:crosses val="autoZero"/>
         <c:crossBetween val="between"/>
       </c:valAx>
@@ -9969,46 +8434,6 @@
 </file>
 
 <file path=ppt/charts/colors12.xml><?xml version="1.0" encoding="utf-8"?>
-<cs:colorStyle xmlns:cs="http://schemas.microsoft.com/office/drawing/2012/chartStyle" xmlns:a="http://schemas.openxmlformats.org/drawingml/2006/main" meth="cycle" id="10">
-  <a:schemeClr val="accent1"/>
-  <a:schemeClr val="accent2"/>
-  <a:schemeClr val="accent3"/>
-  <a:schemeClr val="accent4"/>
-  <a:schemeClr val="accent5"/>
-  <a:schemeClr val="accent6"/>
-  <cs:variation/>
-  <cs:variation>
-    <a:lumMod val="60000"/>
-  </cs:variation>
-  <cs:variation>
-    <a:lumMod val="80000"/>
-    <a:lumOff val="20000"/>
-  </cs:variation>
-  <cs:variation>
-    <a:lumMod val="80000"/>
-  </cs:variation>
-  <cs:variation>
-    <a:lumMod val="60000"/>
-    <a:lumOff val="40000"/>
-  </cs:variation>
-  <cs:variation>
-    <a:lumMod val="50000"/>
-  </cs:variation>
-  <cs:variation>
-    <a:lumMod val="70000"/>
-    <a:lumOff val="30000"/>
-  </cs:variation>
-  <cs:variation>
-    <a:lumMod val="70000"/>
-  </cs:variation>
-  <cs:variation>
-    <a:lumMod val="50000"/>
-    <a:lumOff val="50000"/>
-  </cs:variation>
-</cs:colorStyle>
-</file>
-
-<file path=ppt/charts/colors13.xml><?xml version="1.0" encoding="utf-8"?>
 <cs:colorStyle xmlns:cs="http://schemas.microsoft.com/office/drawing/2012/chartStyle" xmlns:a="http://schemas.openxmlformats.org/drawingml/2006/main" meth="cycle" id="12">
   <a:schemeClr val="accent2"/>
   <a:schemeClr val="accent4"/>
@@ -11883,522 +10308,6 @@
 </file>
 
 <file path=ppt/charts/style12.xml><?xml version="1.0" encoding="utf-8"?>
-<cs:chartStyle xmlns:cs="http://schemas.microsoft.com/office/drawing/2012/chartStyle" xmlns:a="http://schemas.openxmlformats.org/drawingml/2006/main" id="240">
-  <cs:axisTitle>
-    <cs:lnRef idx="0"/>
-    <cs:fillRef idx="0"/>
-    <cs:effectRef idx="0"/>
-    <cs:fontRef idx="minor">
-      <a:schemeClr val="tx1">
-        <a:lumMod val="65000"/>
-        <a:lumOff val="35000"/>
-      </a:schemeClr>
-    </cs:fontRef>
-    <cs:defRPr sz="1000" kern="1200"/>
-  </cs:axisTitle>
-  <cs:categoryAxis>
-    <cs:lnRef idx="0"/>
-    <cs:fillRef idx="0"/>
-    <cs:effectRef idx="0"/>
-    <cs:fontRef idx="minor">
-      <a:schemeClr val="tx1">
-        <a:lumMod val="65000"/>
-        <a:lumOff val="35000"/>
-      </a:schemeClr>
-    </cs:fontRef>
-    <cs:spPr>
-      <a:ln w="9525" cap="flat" cmpd="sng" algn="ctr">
-        <a:solidFill>
-          <a:schemeClr val="tx1">
-            <a:lumMod val="25000"/>
-            <a:lumOff val="75000"/>
-          </a:schemeClr>
-        </a:solidFill>
-        <a:round/>
-      </a:ln>
-    </cs:spPr>
-    <cs:defRPr sz="900" kern="1200"/>
-  </cs:categoryAxis>
-  <cs:chartArea mods="allowNoFillOverride allowNoLineOverride">
-    <cs:lnRef idx="0"/>
-    <cs:fillRef idx="0"/>
-    <cs:effectRef idx="0"/>
-    <cs:fontRef idx="minor">
-      <a:schemeClr val="tx1"/>
-    </cs:fontRef>
-    <cs:spPr>
-      <a:solidFill>
-        <a:schemeClr val="bg1"/>
-      </a:solidFill>
-      <a:ln w="9525" cap="flat" cmpd="sng" algn="ctr">
-        <a:solidFill>
-          <a:schemeClr val="tx1">
-            <a:lumMod val="15000"/>
-            <a:lumOff val="85000"/>
-          </a:schemeClr>
-        </a:solidFill>
-        <a:round/>
-      </a:ln>
-    </cs:spPr>
-    <cs:defRPr sz="1000" kern="1200"/>
-  </cs:chartArea>
-  <cs:dataLabel>
-    <cs:lnRef idx="0"/>
-    <cs:fillRef idx="0"/>
-    <cs:effectRef idx="0"/>
-    <cs:fontRef idx="minor">
-      <a:schemeClr val="tx1">
-        <a:lumMod val="75000"/>
-        <a:lumOff val="25000"/>
-      </a:schemeClr>
-    </cs:fontRef>
-    <cs:defRPr sz="900" kern="1200"/>
-  </cs:dataLabel>
-  <cs:dataLabelCallout>
-    <cs:lnRef idx="0"/>
-    <cs:fillRef idx="0"/>
-    <cs:effectRef idx="0"/>
-    <cs:fontRef idx="minor">
-      <a:schemeClr val="dk1">
-        <a:lumMod val="65000"/>
-        <a:lumOff val="35000"/>
-      </a:schemeClr>
-    </cs:fontRef>
-    <cs:spPr>
-      <a:solidFill>
-        <a:schemeClr val="lt1"/>
-      </a:solidFill>
-      <a:ln>
-        <a:solidFill>
-          <a:schemeClr val="dk1">
-            <a:lumMod val="25000"/>
-            <a:lumOff val="75000"/>
-          </a:schemeClr>
-        </a:solidFill>
-      </a:ln>
-    </cs:spPr>
-    <cs:defRPr sz="900" kern="1200"/>
-    <cs:bodyPr rot="0" spcFirstLastPara="1" vertOverflow="clip" horzOverflow="clip" vert="horz" wrap="square" lIns="36576" tIns="18288" rIns="36576" bIns="18288" anchor="ctr" anchorCtr="1">
-      <a:spAutoFit/>
-    </cs:bodyPr>
-  </cs:dataLabelCallout>
-  <cs:dataPoint>
-    <cs:lnRef idx="0"/>
-    <cs:fillRef idx="1">
-      <cs:styleClr val="auto"/>
-    </cs:fillRef>
-    <cs:effectRef idx="0"/>
-    <cs:fontRef idx="minor">
-      <a:schemeClr val="tx1"/>
-    </cs:fontRef>
-  </cs:dataPoint>
-  <cs:dataPoint3D>
-    <cs:lnRef idx="0"/>
-    <cs:fillRef idx="1">
-      <cs:styleClr val="auto"/>
-    </cs:fillRef>
-    <cs:effectRef idx="0"/>
-    <cs:fontRef idx="minor">
-      <a:schemeClr val="tx1"/>
-    </cs:fontRef>
-  </cs:dataPoint3D>
-  <cs:dataPointLine>
-    <cs:lnRef idx="0">
-      <cs:styleClr val="auto"/>
-    </cs:lnRef>
-    <cs:fillRef idx="1"/>
-    <cs:effectRef idx="0"/>
-    <cs:fontRef idx="minor">
-      <a:schemeClr val="tx1"/>
-    </cs:fontRef>
-    <cs:spPr>
-      <a:ln w="19050" cap="rnd">
-        <a:solidFill>
-          <a:schemeClr val="phClr"/>
-        </a:solidFill>
-        <a:round/>
-      </a:ln>
-    </cs:spPr>
-  </cs:dataPointLine>
-  <cs:dataPointMarker>
-    <cs:lnRef idx="0">
-      <cs:styleClr val="auto"/>
-    </cs:lnRef>
-    <cs:fillRef idx="1">
-      <cs:styleClr val="auto"/>
-    </cs:fillRef>
-    <cs:effectRef idx="0"/>
-    <cs:fontRef idx="minor">
-      <a:schemeClr val="tx1"/>
-    </cs:fontRef>
-    <cs:spPr>
-      <a:ln w="9525">
-        <a:solidFill>
-          <a:schemeClr val="phClr"/>
-        </a:solidFill>
-      </a:ln>
-    </cs:spPr>
-  </cs:dataPointMarker>
-  <cs:dataPointMarkerLayout symbol="circle" size="5"/>
-  <cs:dataPointWireframe>
-    <cs:lnRef idx="0">
-      <cs:styleClr val="auto"/>
-    </cs:lnRef>
-    <cs:fillRef idx="0"/>
-    <cs:effectRef idx="0"/>
-    <cs:fontRef idx="minor">
-      <a:schemeClr val="dk1"/>
-    </cs:fontRef>
-    <cs:spPr>
-      <a:ln w="9525" cap="rnd">
-        <a:solidFill>
-          <a:schemeClr val="phClr"/>
-        </a:solidFill>
-        <a:round/>
-      </a:ln>
-    </cs:spPr>
-  </cs:dataPointWireframe>
-  <cs:dataTable>
-    <cs:lnRef idx="0"/>
-    <cs:fillRef idx="0"/>
-    <cs:effectRef idx="0"/>
-    <cs:fontRef idx="minor">
-      <a:schemeClr val="tx1">
-        <a:lumMod val="65000"/>
-        <a:lumOff val="35000"/>
-      </a:schemeClr>
-    </cs:fontRef>
-    <cs:spPr>
-      <a:noFill/>
-      <a:ln w="9525" cap="flat" cmpd="sng" algn="ctr">
-        <a:solidFill>
-          <a:schemeClr val="tx1">
-            <a:lumMod val="15000"/>
-            <a:lumOff val="85000"/>
-          </a:schemeClr>
-        </a:solidFill>
-        <a:round/>
-      </a:ln>
-    </cs:spPr>
-    <cs:defRPr sz="900" kern="1200"/>
-  </cs:dataTable>
-  <cs:downBar>
-    <cs:lnRef idx="0"/>
-    <cs:fillRef idx="0"/>
-    <cs:effectRef idx="0"/>
-    <cs:fontRef idx="minor">
-      <a:schemeClr val="tx1"/>
-    </cs:fontRef>
-    <cs:spPr>
-      <a:solidFill>
-        <a:schemeClr val="dk1">
-          <a:lumMod val="75000"/>
-          <a:lumOff val="25000"/>
-        </a:schemeClr>
-      </a:solidFill>
-      <a:ln w="9525" cap="flat" cmpd="sng" algn="ctr">
-        <a:solidFill>
-          <a:schemeClr val="tx1">
-            <a:lumMod val="65000"/>
-            <a:lumOff val="35000"/>
-          </a:schemeClr>
-        </a:solidFill>
-        <a:round/>
-      </a:ln>
-    </cs:spPr>
-  </cs:downBar>
-  <cs:dropLine>
-    <cs:lnRef idx="0"/>
-    <cs:fillRef idx="0"/>
-    <cs:effectRef idx="0"/>
-    <cs:fontRef idx="minor">
-      <a:schemeClr val="tx1"/>
-    </cs:fontRef>
-    <cs:spPr>
-      <a:ln w="9525" cap="flat" cmpd="sng" algn="ctr">
-        <a:solidFill>
-          <a:schemeClr val="tx1">
-            <a:lumMod val="35000"/>
-            <a:lumOff val="65000"/>
-          </a:schemeClr>
-        </a:solidFill>
-        <a:round/>
-      </a:ln>
-    </cs:spPr>
-  </cs:dropLine>
-  <cs:errorBar>
-    <cs:lnRef idx="0"/>
-    <cs:fillRef idx="0"/>
-    <cs:effectRef idx="0"/>
-    <cs:fontRef idx="minor">
-      <a:schemeClr val="tx1"/>
-    </cs:fontRef>
-    <cs:spPr>
-      <a:ln w="9525" cap="flat" cmpd="sng" algn="ctr">
-        <a:solidFill>
-          <a:schemeClr val="tx1">
-            <a:lumMod val="65000"/>
-            <a:lumOff val="35000"/>
-          </a:schemeClr>
-        </a:solidFill>
-        <a:round/>
-      </a:ln>
-    </cs:spPr>
-  </cs:errorBar>
-  <cs:floor>
-    <cs:lnRef idx="0"/>
-    <cs:fillRef idx="0"/>
-    <cs:effectRef idx="0"/>
-    <cs:fontRef idx="minor">
-      <a:schemeClr val="tx1"/>
-    </cs:fontRef>
-    <cs:spPr>
-      <a:noFill/>
-      <a:ln>
-        <a:noFill/>
-      </a:ln>
-    </cs:spPr>
-  </cs:floor>
-  <cs:gridlineMajor>
-    <cs:lnRef idx="0"/>
-    <cs:fillRef idx="0"/>
-    <cs:effectRef idx="0"/>
-    <cs:fontRef idx="minor">
-      <a:schemeClr val="tx1"/>
-    </cs:fontRef>
-    <cs:spPr>
-      <a:ln w="9525" cap="flat" cmpd="sng" algn="ctr">
-        <a:solidFill>
-          <a:schemeClr val="tx1">
-            <a:lumMod val="15000"/>
-            <a:lumOff val="85000"/>
-          </a:schemeClr>
-        </a:solidFill>
-        <a:round/>
-      </a:ln>
-    </cs:spPr>
-  </cs:gridlineMajor>
-  <cs:gridlineMinor>
-    <cs:lnRef idx="0"/>
-    <cs:fillRef idx="0"/>
-    <cs:effectRef idx="0"/>
-    <cs:fontRef idx="minor">
-      <a:schemeClr val="tx1"/>
-    </cs:fontRef>
-    <cs:spPr>
-      <a:ln w="9525" cap="flat" cmpd="sng" algn="ctr">
-        <a:solidFill>
-          <a:schemeClr val="tx1">
-            <a:lumMod val="5000"/>
-            <a:lumOff val="95000"/>
-          </a:schemeClr>
-        </a:solidFill>
-        <a:round/>
-      </a:ln>
-    </cs:spPr>
-  </cs:gridlineMinor>
-  <cs:hiLoLine>
-    <cs:lnRef idx="0"/>
-    <cs:fillRef idx="0"/>
-    <cs:effectRef idx="0"/>
-    <cs:fontRef idx="minor">
-      <a:schemeClr val="tx1"/>
-    </cs:fontRef>
-    <cs:spPr>
-      <a:ln w="9525" cap="flat" cmpd="sng" algn="ctr">
-        <a:solidFill>
-          <a:schemeClr val="tx1">
-            <a:lumMod val="50000"/>
-            <a:lumOff val="50000"/>
-          </a:schemeClr>
-        </a:solidFill>
-        <a:round/>
-      </a:ln>
-    </cs:spPr>
-  </cs:hiLoLine>
-  <cs:leaderLine>
-    <cs:lnRef idx="0"/>
-    <cs:fillRef idx="0"/>
-    <cs:effectRef idx="0"/>
-    <cs:fontRef idx="minor">
-      <a:schemeClr val="tx1"/>
-    </cs:fontRef>
-    <cs:spPr>
-      <a:ln w="9525" cap="flat" cmpd="sng" algn="ctr">
-        <a:solidFill>
-          <a:schemeClr val="tx1">
-            <a:lumMod val="35000"/>
-            <a:lumOff val="65000"/>
-          </a:schemeClr>
-        </a:solidFill>
-        <a:round/>
-      </a:ln>
-    </cs:spPr>
-  </cs:leaderLine>
-  <cs:legend>
-    <cs:lnRef idx="0"/>
-    <cs:fillRef idx="0"/>
-    <cs:effectRef idx="0"/>
-    <cs:fontRef idx="minor">
-      <a:schemeClr val="tx1">
-        <a:lumMod val="65000"/>
-        <a:lumOff val="35000"/>
-      </a:schemeClr>
-    </cs:fontRef>
-    <cs:defRPr sz="900" kern="1200"/>
-  </cs:legend>
-  <cs:plotArea mods="allowNoFillOverride allowNoLineOverride">
-    <cs:lnRef idx="0"/>
-    <cs:fillRef idx="0"/>
-    <cs:effectRef idx="0"/>
-    <cs:fontRef idx="minor">
-      <a:schemeClr val="tx1"/>
-    </cs:fontRef>
-  </cs:plotArea>
-  <cs:plotArea3D mods="allowNoFillOverride allowNoLineOverride">
-    <cs:lnRef idx="0"/>
-    <cs:fillRef idx="0"/>
-    <cs:effectRef idx="0"/>
-    <cs:fontRef idx="minor">
-      <a:schemeClr val="tx1"/>
-    </cs:fontRef>
-  </cs:plotArea3D>
-  <cs:seriesAxis>
-    <cs:lnRef idx="0"/>
-    <cs:fillRef idx="0"/>
-    <cs:effectRef idx="0"/>
-    <cs:fontRef idx="minor">
-      <a:schemeClr val="tx1">
-        <a:lumMod val="65000"/>
-        <a:lumOff val="35000"/>
-      </a:schemeClr>
-    </cs:fontRef>
-    <cs:defRPr sz="900" kern="1200"/>
-  </cs:seriesAxis>
-  <cs:seriesLine>
-    <cs:lnRef idx="0"/>
-    <cs:fillRef idx="0"/>
-    <cs:effectRef idx="0"/>
-    <cs:fontRef idx="minor">
-      <a:schemeClr val="tx1"/>
-    </cs:fontRef>
-    <cs:spPr>
-      <a:ln w="9525" cap="flat" cmpd="sng" algn="ctr">
-        <a:solidFill>
-          <a:schemeClr val="tx1">
-            <a:lumMod val="35000"/>
-            <a:lumOff val="65000"/>
-          </a:schemeClr>
-        </a:solidFill>
-        <a:round/>
-      </a:ln>
-    </cs:spPr>
-  </cs:seriesLine>
-  <cs:title>
-    <cs:lnRef idx="0"/>
-    <cs:fillRef idx="0"/>
-    <cs:effectRef idx="0"/>
-    <cs:fontRef idx="minor">
-      <a:schemeClr val="tx1">
-        <a:lumMod val="65000"/>
-        <a:lumOff val="35000"/>
-      </a:schemeClr>
-    </cs:fontRef>
-    <cs:defRPr sz="1400" b="0" kern="1200" spc="0" baseline="0"/>
-  </cs:title>
-  <cs:trendline>
-    <cs:lnRef idx="0">
-      <cs:styleClr val="auto"/>
-    </cs:lnRef>
-    <cs:fillRef idx="0"/>
-    <cs:effectRef idx="0"/>
-    <cs:fontRef idx="minor">
-      <a:schemeClr val="tx1"/>
-    </cs:fontRef>
-    <cs:spPr>
-      <a:ln w="19050" cap="rnd">
-        <a:solidFill>
-          <a:schemeClr val="phClr"/>
-        </a:solidFill>
-        <a:prstDash val="sysDot"/>
-      </a:ln>
-    </cs:spPr>
-  </cs:trendline>
-  <cs:trendlineLabel>
-    <cs:lnRef idx="0"/>
-    <cs:fillRef idx="0"/>
-    <cs:effectRef idx="0"/>
-    <cs:fontRef idx="minor">
-      <a:schemeClr val="tx1">
-        <a:lumMod val="65000"/>
-        <a:lumOff val="35000"/>
-      </a:schemeClr>
-    </cs:fontRef>
-    <cs:defRPr sz="900" kern="1200"/>
-  </cs:trendlineLabel>
-  <cs:upBar>
-    <cs:lnRef idx="0"/>
-    <cs:fillRef idx="0"/>
-    <cs:effectRef idx="0"/>
-    <cs:fontRef idx="minor">
-      <a:schemeClr val="tx1"/>
-    </cs:fontRef>
-    <cs:spPr>
-      <a:solidFill>
-        <a:schemeClr val="lt1"/>
-      </a:solidFill>
-      <a:ln w="9525" cap="flat" cmpd="sng" algn="ctr">
-        <a:solidFill>
-          <a:schemeClr val="tx1">
-            <a:lumMod val="65000"/>
-            <a:lumOff val="35000"/>
-          </a:schemeClr>
-        </a:solidFill>
-        <a:round/>
-      </a:ln>
-    </cs:spPr>
-  </cs:upBar>
-  <cs:valueAxis>
-    <cs:lnRef idx="0"/>
-    <cs:fillRef idx="0"/>
-    <cs:effectRef idx="0"/>
-    <cs:fontRef idx="minor">
-      <a:schemeClr val="tx1">
-        <a:lumMod val="65000"/>
-        <a:lumOff val="35000"/>
-      </a:schemeClr>
-    </cs:fontRef>
-    <cs:spPr>
-      <a:ln w="9525" cap="flat" cmpd="sng" algn="ctr">
-        <a:solidFill>
-          <a:schemeClr val="tx1">
-            <a:lumMod val="25000"/>
-            <a:lumOff val="75000"/>
-          </a:schemeClr>
-        </a:solidFill>
-        <a:round/>
-      </a:ln>
-    </cs:spPr>
-    <cs:defRPr sz="900" kern="1200"/>
-  </cs:valueAxis>
-  <cs:wall>
-    <cs:lnRef idx="0"/>
-    <cs:fillRef idx="0"/>
-    <cs:effectRef idx="0"/>
-    <cs:fontRef idx="minor">
-      <a:schemeClr val="tx1"/>
-    </cs:fontRef>
-    <cs:spPr>
-      <a:noFill/>
-      <a:ln>
-        <a:noFill/>
-      </a:ln>
-    </cs:spPr>
-  </cs:wall>
-</cs:chartStyle>
-</file>
-
-<file path=ppt/charts/style13.xml><?xml version="1.0" encoding="utf-8"?>
 <cs:chartStyle xmlns:cs="http://schemas.microsoft.com/office/drawing/2012/chartStyle" xmlns:a="http://schemas.openxmlformats.org/drawingml/2006/main" id="201">
   <cs:axisTitle>
     <cs:lnRef idx="0"/>
@@ -22887,7 +20796,7 @@
           <a:p>
             <a:fld id="{2CF913E4-21D6-454A-9B7B-BE459B1334D7}" type="datetimeFigureOut">
               <a:rPr lang="en-US" smtClean="0"/>
-              <a:t>3/23/17</a:t>
+              <a:t>4/4/17</a:t>
             </a:fld>
             <a:endParaRPr lang="en-US"/>
           </a:p>
@@ -23260,6 +21169,114 @@
 </p:notes>
 </file>
 
+<file path=ppt/notesSlides/notesSlide10.xml><?xml version="1.0" encoding="utf-8"?>
+<p:notes xmlns:a="http://schemas.openxmlformats.org/drawingml/2006/main" xmlns:r="http://schemas.openxmlformats.org/officeDocument/2006/relationships" xmlns:p="http://schemas.openxmlformats.org/presentationml/2006/main">
+  <p:cSld>
+    <p:spTree>
+      <p:nvGrpSpPr>
+        <p:cNvPr id="1" name=""/>
+        <p:cNvGrpSpPr/>
+        <p:nvPr/>
+      </p:nvGrpSpPr>
+      <p:grpSpPr>
+        <a:xfrm>
+          <a:off x="0" y="0"/>
+          <a:ext cx="0" cy="0"/>
+          <a:chOff x="0" y="0"/>
+          <a:chExt cx="0" cy="0"/>
+        </a:xfrm>
+      </p:grpSpPr>
+      <p:sp>
+        <p:nvSpPr>
+          <p:cNvPr id="2" name="Slide Image Placeholder 1"/>
+          <p:cNvSpPr>
+            <a:spLocks noGrp="1" noRot="1" noChangeAspect="1"/>
+          </p:cNvSpPr>
+          <p:nvPr>
+            <p:ph type="sldImg"/>
+          </p:nvPr>
+        </p:nvSpPr>
+        <p:spPr/>
+      </p:sp>
+      <p:sp>
+        <p:nvSpPr>
+          <p:cNvPr id="3" name="Notes Placeholder 2"/>
+          <p:cNvSpPr>
+            <a:spLocks noGrp="1"/>
+          </p:cNvSpPr>
+          <p:nvPr>
+            <p:ph type="body" idx="1"/>
+          </p:nvPr>
+        </p:nvSpPr>
+        <p:spPr/>
+        <p:txBody>
+          <a:bodyPr/>
+          <a:lstStyle/>
+          <a:p>
+            <a:r>
+              <a:rPr lang="en-US" dirty="0" smtClean="0"/>
+              <a:t>Ulmer </a:t>
+            </a:r>
+            <a:r>
+              <a:rPr lang="en-US" dirty="0" smtClean="0">
+                <a:sym typeface="Wingdings"/>
+              </a:rPr>
+              <a:t> page 4 , fig 6</a:t>
+            </a:r>
+          </a:p>
+          <a:p>
+            <a:r>
+              <a:rPr lang="en-US" dirty="0" err="1" smtClean="0">
+                <a:sym typeface="Wingdings"/>
+              </a:rPr>
+              <a:t>Ekfre</a:t>
+            </a:r>
+            <a:r>
+              <a:rPr lang="en-US" dirty="0" smtClean="0">
+                <a:sym typeface="Wingdings"/>
+              </a:rPr>
+              <a:t>  page 17, fig 6</a:t>
+            </a:r>
+            <a:endParaRPr lang="en-US" dirty="0"/>
+          </a:p>
+        </p:txBody>
+      </p:sp>
+      <p:sp>
+        <p:nvSpPr>
+          <p:cNvPr id="4" name="Slide Number Placeholder 3"/>
+          <p:cNvSpPr>
+            <a:spLocks noGrp="1"/>
+          </p:cNvSpPr>
+          <p:nvPr>
+            <p:ph type="sldNum" sz="quarter" idx="10"/>
+          </p:nvPr>
+        </p:nvSpPr>
+        <p:spPr/>
+        <p:txBody>
+          <a:bodyPr/>
+          <a:lstStyle/>
+          <a:p>
+            <a:fld id="{E6C22B83-ABD6-0F43-B818-DC95DF684F80}" type="slidenum">
+              <a:rPr lang="en-US" smtClean="0"/>
+              <a:t>17</a:t>
+            </a:fld>
+            <a:endParaRPr lang="en-US"/>
+          </a:p>
+        </p:txBody>
+      </p:sp>
+    </p:spTree>
+    <p:extLst>
+      <p:ext uri="{BB962C8B-B14F-4D97-AF65-F5344CB8AC3E}">
+        <p14:creationId xmlns:p14="http://schemas.microsoft.com/office/powerpoint/2010/main" val="962997976"/>
+      </p:ext>
+    </p:extLst>
+  </p:cSld>
+  <p:clrMapOvr>
+    <a:masterClrMapping/>
+  </p:clrMapOvr>
+</p:notes>
+</file>
+
 <file path=ppt/notesSlides/notesSlide2.xml><?xml version="1.0" encoding="utf-8"?>
 <p:notes xmlns:a="http://schemas.openxmlformats.org/drawingml/2006/main" xmlns:r="http://schemas.openxmlformats.org/officeDocument/2006/relationships" xmlns:p="http://schemas.openxmlformats.org/presentationml/2006/main">
   <p:cSld>
@@ -23864,6 +21881,23 @@
               <a:rPr lang="en-US" dirty="0" smtClean="0"/>
               <a:t>]</a:t>
             </a:r>
+          </a:p>
+          <a:p>
+            <a:endParaRPr lang="en-US" dirty="0" smtClean="0"/>
+          </a:p>
+          <a:p>
+            <a:endParaRPr lang="en-US" dirty="0" smtClean="0"/>
+          </a:p>
+          <a:p>
+            <a:r>
+              <a:rPr lang="en-US" dirty="0" smtClean="0"/>
+              <a:t>POISSON: the strength</a:t>
+            </a:r>
+            <a:r>
+              <a:rPr lang="en-US" baseline="0" dirty="0" smtClean="0"/>
+              <a:t> of a team</a:t>
+            </a:r>
+            <a:endParaRPr lang="en-US" dirty="0" smtClean="0"/>
           </a:p>
           <a:p>
             <a:endParaRPr lang="en-US" dirty="0"/>
@@ -23971,6 +22005,90 @@
           <a:p>
             <a:fld id="{E6C22B83-ABD6-0F43-B818-DC95DF684F80}" type="slidenum">
               <a:rPr lang="en-US" smtClean="0"/>
+              <a:t>7</a:t>
+            </a:fld>
+            <a:endParaRPr lang="en-US"/>
+          </a:p>
+        </p:txBody>
+      </p:sp>
+    </p:spTree>
+    <p:extLst>
+      <p:ext uri="{BB962C8B-B14F-4D97-AF65-F5344CB8AC3E}">
+        <p14:creationId xmlns:p14="http://schemas.microsoft.com/office/powerpoint/2010/main" val="2049810804"/>
+      </p:ext>
+    </p:extLst>
+  </p:cSld>
+  <p:clrMapOvr>
+    <a:masterClrMapping/>
+  </p:clrMapOvr>
+</p:notes>
+</file>
+
+<file path=ppt/notesSlides/notesSlide4.xml><?xml version="1.0" encoding="utf-8"?>
+<p:notes xmlns:a="http://schemas.openxmlformats.org/drawingml/2006/main" xmlns:r="http://schemas.openxmlformats.org/officeDocument/2006/relationships" xmlns:p="http://schemas.openxmlformats.org/presentationml/2006/main">
+  <p:cSld>
+    <p:spTree>
+      <p:nvGrpSpPr>
+        <p:cNvPr id="1" name=""/>
+        <p:cNvGrpSpPr/>
+        <p:nvPr/>
+      </p:nvGrpSpPr>
+      <p:grpSpPr>
+        <a:xfrm>
+          <a:off x="0" y="0"/>
+          <a:ext cx="0" cy="0"/>
+          <a:chOff x="0" y="0"/>
+          <a:chExt cx="0" cy="0"/>
+        </a:xfrm>
+      </p:grpSpPr>
+      <p:sp>
+        <p:nvSpPr>
+          <p:cNvPr id="2" name="Slide Image Placeholder 1"/>
+          <p:cNvSpPr>
+            <a:spLocks noGrp="1" noRot="1" noChangeAspect="1"/>
+          </p:cNvSpPr>
+          <p:nvPr>
+            <p:ph type="sldImg"/>
+          </p:nvPr>
+        </p:nvSpPr>
+        <p:spPr/>
+      </p:sp>
+      <p:sp>
+        <p:nvSpPr>
+          <p:cNvPr id="3" name="Notes Placeholder 2"/>
+          <p:cNvSpPr>
+            <a:spLocks noGrp="1"/>
+          </p:cNvSpPr>
+          <p:nvPr>
+            <p:ph type="body" idx="1"/>
+          </p:nvPr>
+        </p:nvSpPr>
+        <p:spPr/>
+        <p:txBody>
+          <a:bodyPr/>
+          <a:lstStyle/>
+          <a:p>
+            <a:endParaRPr lang="en-US" dirty="0"/>
+          </a:p>
+        </p:txBody>
+      </p:sp>
+      <p:sp>
+        <p:nvSpPr>
+          <p:cNvPr id="4" name="Slide Number Placeholder 3"/>
+          <p:cNvSpPr>
+            <a:spLocks noGrp="1"/>
+          </p:cNvSpPr>
+          <p:nvPr>
+            <p:ph type="sldNum" sz="quarter" idx="10"/>
+          </p:nvPr>
+        </p:nvSpPr>
+        <p:spPr/>
+        <p:txBody>
+          <a:bodyPr/>
+          <a:lstStyle/>
+          <a:p>
+            <a:fld id="{E6C22B83-ABD6-0F43-B818-DC95DF684F80}" type="slidenum">
+              <a:rPr lang="en-US" smtClean="0"/>
               <a:t>9</a:t>
             </a:fld>
             <a:endParaRPr lang="en-US"/>
@@ -23990,7 +22108,7 @@
 </p:notes>
 </file>
 
-<file path=ppt/notesSlides/notesSlide4.xml><?xml version="1.0" encoding="utf-8"?>
+<file path=ppt/notesSlides/notesSlide5.xml><?xml version="1.0" encoding="utf-8"?>
 <p:notes xmlns:a="http://schemas.openxmlformats.org/drawingml/2006/main" xmlns:r="http://schemas.openxmlformats.org/officeDocument/2006/relationships" xmlns:p="http://schemas.openxmlformats.org/presentationml/2006/main">
   <p:cSld>
     <p:spTree>
@@ -24074,7 +22192,7 @@
 </p:notes>
 </file>
 
-<file path=ppt/notesSlides/notesSlide5.xml><?xml version="1.0" encoding="utf-8"?>
+<file path=ppt/notesSlides/notesSlide6.xml><?xml version="1.0" encoding="utf-8"?>
 <p:notes xmlns:a="http://schemas.openxmlformats.org/drawingml/2006/main" xmlns:r="http://schemas.openxmlformats.org/officeDocument/2006/relationships" xmlns:p="http://schemas.openxmlformats.org/presentationml/2006/main">
   <p:cSld>
     <p:spTree>
@@ -24158,7 +22276,7 @@
 </p:notes>
 </file>
 
-<file path=ppt/notesSlides/notesSlide6.xml><?xml version="1.0" encoding="utf-8"?>
+<file path=ppt/notesSlides/notesSlide7.xml><?xml version="1.0" encoding="utf-8"?>
 <p:notes xmlns:a="http://schemas.openxmlformats.org/drawingml/2006/main" xmlns:r="http://schemas.openxmlformats.org/officeDocument/2006/relationships" xmlns:p="http://schemas.openxmlformats.org/presentationml/2006/main">
   <p:cSld>
     <p:spTree>
@@ -24560,7 +22678,7 @@
 </p:notes>
 </file>
 
-<file path=ppt/notesSlides/notesSlide7.xml><?xml version="1.0" encoding="utf-8"?>
+<file path=ppt/notesSlides/notesSlide8.xml><?xml version="1.0" encoding="utf-8"?>
 <p:notes xmlns:a="http://schemas.openxmlformats.org/drawingml/2006/main" xmlns:r="http://schemas.openxmlformats.org/officeDocument/2006/relationships" xmlns:p="http://schemas.openxmlformats.org/presentationml/2006/main">
   <p:cSld>
     <p:spTree>
@@ -24944,6 +23062,170 @@
                 </a14:m>
                 <a:endParaRPr lang="en-US" sz="1200" dirty="0" smtClean="0"/>
               </a:p>
+              <a:p>
+                <a:pPr marL="0" marR="0" indent="0" algn="l" defTabSz="914400" rtl="0" eaLnBrk="1" fontAlgn="auto" latinLnBrk="0" hangingPunct="1">
+                  <a:lnSpc>
+                    <a:spcPct val="100000"/>
+                  </a:lnSpc>
+                  <a:spcBef>
+                    <a:spcPts val="0"/>
+                  </a:spcBef>
+                  <a:spcAft>
+                    <a:spcPts val="0"/>
+                  </a:spcAft>
+                  <a:buClrTx/>
+                  <a:buSzTx/>
+                  <a:buFontTx/>
+                  <a:buNone/>
+                  <a:tabLst/>
+                  <a:defRPr/>
+                </a:pPr>
+                <a:endParaRPr lang="en-US" sz="1200" dirty="0" smtClean="0"/>
+              </a:p>
+              <a:p>
+                <a:pPr marL="0" marR="0" indent="0" algn="l" defTabSz="914400" rtl="0" eaLnBrk="1" fontAlgn="auto" latinLnBrk="0" hangingPunct="1">
+                  <a:lnSpc>
+                    <a:spcPct val="100000"/>
+                  </a:lnSpc>
+                  <a:spcBef>
+                    <a:spcPts val="0"/>
+                  </a:spcBef>
+                  <a:spcAft>
+                    <a:spcPts val="0"/>
+                  </a:spcAft>
+                  <a:buClrTx/>
+                  <a:buSzTx/>
+                  <a:buFontTx/>
+                  <a:buNone/>
+                  <a:tabLst/>
+                  <a:defRPr/>
+                </a:pPr>
+                <a:endParaRPr lang="en-US" sz="1200" dirty="0" smtClean="0"/>
+              </a:p>
+              <a:p>
+                <a:pPr marL="0" marR="0" indent="0" algn="l" defTabSz="914400" rtl="0" eaLnBrk="1" fontAlgn="auto" latinLnBrk="0" hangingPunct="1">
+                  <a:lnSpc>
+                    <a:spcPct val="100000"/>
+                  </a:lnSpc>
+                  <a:spcBef>
+                    <a:spcPts val="0"/>
+                  </a:spcBef>
+                  <a:spcAft>
+                    <a:spcPts val="0"/>
+                  </a:spcAft>
+                  <a:buClrTx/>
+                  <a:buSzTx/>
+                  <a:buFontTx/>
+                  <a:buNone/>
+                  <a:tabLst/>
+                  <a:defRPr/>
+                </a:pPr>
+                <a:r>
+                  <a:rPr lang="en-US" sz="1200" dirty="0" err="1" smtClean="0"/>
+                  <a:t>Lr</a:t>
+                </a:r>
+                <a:r>
+                  <a:rPr lang="en-US" sz="1200" baseline="0" dirty="0" smtClean="0"/>
+                  <a:t> =  scored goal league rate 1.2 goal / match</a:t>
+                </a:r>
+              </a:p>
+              <a:p>
+                <a:pPr marL="0" marR="0" indent="0" algn="l" defTabSz="914400" rtl="0" eaLnBrk="1" fontAlgn="auto" latinLnBrk="0" hangingPunct="1">
+                  <a:lnSpc>
+                    <a:spcPct val="100000"/>
+                  </a:lnSpc>
+                  <a:spcBef>
+                    <a:spcPts val="0"/>
+                  </a:spcBef>
+                  <a:spcAft>
+                    <a:spcPts val="0"/>
+                  </a:spcAft>
+                  <a:buClrTx/>
+                  <a:buSzTx/>
+                  <a:buFontTx/>
+                  <a:buNone/>
+                  <a:tabLst/>
+                  <a:defRPr/>
+                </a:pPr>
+                <a:endParaRPr lang="en-US" sz="1200" baseline="0" dirty="0" smtClean="0"/>
+              </a:p>
+              <a:p>
+                <a:pPr marL="0" marR="0" indent="0" algn="l" defTabSz="914400" rtl="0" eaLnBrk="1" fontAlgn="auto" latinLnBrk="0" hangingPunct="1">
+                  <a:lnSpc>
+                    <a:spcPct val="100000"/>
+                  </a:lnSpc>
+                  <a:spcBef>
+                    <a:spcPts val="0"/>
+                  </a:spcBef>
+                  <a:spcAft>
+                    <a:spcPts val="0"/>
+                  </a:spcAft>
+                  <a:buClrTx/>
+                  <a:buSzTx/>
+                  <a:buFontTx/>
+                  <a:buNone/>
+                  <a:tabLst/>
+                  <a:defRPr/>
+                </a:pPr>
+                <a:r>
+                  <a:rPr lang="en-US" sz="1200" baseline="0" dirty="0" smtClean="0"/>
+                  <a:t>Juventus : 1.75 goal / match </a:t>
+                </a:r>
+                <a:r>
+                  <a:rPr lang="en-US" sz="1200" baseline="0" dirty="0" smtClean="0">
+                    <a:sym typeface="Wingdings"/>
+                  </a:rPr>
+                  <a:t> strength is 1.75 / 1.2 &gt; 1</a:t>
+                </a:r>
+              </a:p>
+              <a:p>
+                <a:pPr marL="0" marR="0" indent="0" algn="l" defTabSz="914400" rtl="0" eaLnBrk="1" fontAlgn="auto" latinLnBrk="0" hangingPunct="1">
+                  <a:lnSpc>
+                    <a:spcPct val="100000"/>
+                  </a:lnSpc>
+                  <a:spcBef>
+                    <a:spcPts val="0"/>
+                  </a:spcBef>
+                  <a:spcAft>
+                    <a:spcPts val="0"/>
+                  </a:spcAft>
+                  <a:buClrTx/>
+                  <a:buSzTx/>
+                  <a:buFontTx/>
+                  <a:buNone/>
+                  <a:tabLst/>
+                  <a:defRPr/>
+                </a:pPr>
+                <a:endParaRPr lang="en-US" sz="1200" baseline="0" dirty="0" smtClean="0">
+                  <a:sym typeface="Wingdings"/>
+                </a:endParaRPr>
+              </a:p>
+              <a:p>
+                <a:pPr marL="0" marR="0" indent="0" algn="l" defTabSz="914400" rtl="0" eaLnBrk="1" fontAlgn="auto" latinLnBrk="0" hangingPunct="1">
+                  <a:lnSpc>
+                    <a:spcPct val="100000"/>
+                  </a:lnSpc>
+                  <a:spcBef>
+                    <a:spcPts val="0"/>
+                  </a:spcBef>
+                  <a:spcAft>
+                    <a:spcPts val="0"/>
+                  </a:spcAft>
+                  <a:buClrTx/>
+                  <a:buSzTx/>
+                  <a:buFontTx/>
+                  <a:buNone/>
+                  <a:tabLst/>
+                  <a:defRPr/>
+                </a:pPr>
+                <a:r>
+                  <a:rPr lang="en-US" sz="1200" baseline="0" dirty="0" smtClean="0">
+                    <a:sym typeface="Wingdings"/>
+                  </a:rPr>
+                  <a:t>Palermo: 0.72 goal / match  strength 0.72 / 1.2 &lt; 1</a:t>
+                </a:r>
+                <a:endParaRPr lang="en-US" sz="1200" dirty="0" smtClean="0"/>
+              </a:p>
             </p:txBody>
           </p:sp>
         </mc:Choice>
@@ -25265,7 +23547,7 @@
 </p:notes>
 </file>
 
-<file path=ppt/notesSlides/notesSlide8.xml><?xml version="1.0" encoding="utf-8"?>
+<file path=ppt/notesSlides/notesSlide9.xml><?xml version="1.0" encoding="utf-8"?>
 <p:notes xmlns:a="http://schemas.openxmlformats.org/drawingml/2006/main" xmlns:r="http://schemas.openxmlformats.org/officeDocument/2006/relationships" xmlns:p="http://schemas.openxmlformats.org/presentationml/2006/main">
   <p:cSld>
     <p:spTree>
@@ -25349,114 +23631,6 @@
 </p:notes>
 </file>
 
-<file path=ppt/notesSlides/notesSlide9.xml><?xml version="1.0" encoding="utf-8"?>
-<p:notes xmlns:a="http://schemas.openxmlformats.org/drawingml/2006/main" xmlns:r="http://schemas.openxmlformats.org/officeDocument/2006/relationships" xmlns:p="http://schemas.openxmlformats.org/presentationml/2006/main">
-  <p:cSld>
-    <p:spTree>
-      <p:nvGrpSpPr>
-        <p:cNvPr id="1" name=""/>
-        <p:cNvGrpSpPr/>
-        <p:nvPr/>
-      </p:nvGrpSpPr>
-      <p:grpSpPr>
-        <a:xfrm>
-          <a:off x="0" y="0"/>
-          <a:ext cx="0" cy="0"/>
-          <a:chOff x="0" y="0"/>
-          <a:chExt cx="0" cy="0"/>
-        </a:xfrm>
-      </p:grpSpPr>
-      <p:sp>
-        <p:nvSpPr>
-          <p:cNvPr id="2" name="Slide Image Placeholder 1"/>
-          <p:cNvSpPr>
-            <a:spLocks noGrp="1" noRot="1" noChangeAspect="1"/>
-          </p:cNvSpPr>
-          <p:nvPr>
-            <p:ph type="sldImg"/>
-          </p:nvPr>
-        </p:nvSpPr>
-        <p:spPr/>
-      </p:sp>
-      <p:sp>
-        <p:nvSpPr>
-          <p:cNvPr id="3" name="Notes Placeholder 2"/>
-          <p:cNvSpPr>
-            <a:spLocks noGrp="1"/>
-          </p:cNvSpPr>
-          <p:nvPr>
-            <p:ph type="body" idx="1"/>
-          </p:nvPr>
-        </p:nvSpPr>
-        <p:spPr/>
-        <p:txBody>
-          <a:bodyPr/>
-          <a:lstStyle/>
-          <a:p>
-            <a:r>
-              <a:rPr lang="en-US" dirty="0" smtClean="0"/>
-              <a:t>Ulmer </a:t>
-            </a:r>
-            <a:r>
-              <a:rPr lang="en-US" dirty="0" smtClean="0">
-                <a:sym typeface="Wingdings"/>
-              </a:rPr>
-              <a:t> page 4 , fig 6</a:t>
-            </a:r>
-          </a:p>
-          <a:p>
-            <a:r>
-              <a:rPr lang="en-US" dirty="0" err="1" smtClean="0">
-                <a:sym typeface="Wingdings"/>
-              </a:rPr>
-              <a:t>Ekfre</a:t>
-            </a:r>
-            <a:r>
-              <a:rPr lang="en-US" dirty="0" smtClean="0">
-                <a:sym typeface="Wingdings"/>
-              </a:rPr>
-              <a:t>  page 17, fig 6</a:t>
-            </a:r>
-            <a:endParaRPr lang="en-US" dirty="0"/>
-          </a:p>
-        </p:txBody>
-      </p:sp>
-      <p:sp>
-        <p:nvSpPr>
-          <p:cNvPr id="4" name="Slide Number Placeholder 3"/>
-          <p:cNvSpPr>
-            <a:spLocks noGrp="1"/>
-          </p:cNvSpPr>
-          <p:nvPr>
-            <p:ph type="sldNum" sz="quarter" idx="10"/>
-          </p:nvPr>
-        </p:nvSpPr>
-        <p:spPr/>
-        <p:txBody>
-          <a:bodyPr/>
-          <a:lstStyle/>
-          <a:p>
-            <a:fld id="{E6C22B83-ABD6-0F43-B818-DC95DF684F80}" type="slidenum">
-              <a:rPr lang="en-US" smtClean="0"/>
-              <a:t>18</a:t>
-            </a:fld>
-            <a:endParaRPr lang="en-US"/>
-          </a:p>
-        </p:txBody>
-      </p:sp>
-    </p:spTree>
-    <p:extLst>
-      <p:ext uri="{BB962C8B-B14F-4D97-AF65-F5344CB8AC3E}">
-        <p14:creationId xmlns:p14="http://schemas.microsoft.com/office/powerpoint/2010/main" val="962997976"/>
-      </p:ext>
-    </p:extLst>
-  </p:cSld>
-  <p:clrMapOvr>
-    <a:masterClrMapping/>
-  </p:clrMapOvr>
-</p:notes>
-</file>
-
 <file path=ppt/slideLayouts/slideLayout1.xml><?xml version="1.0" encoding="utf-8"?>
 <p:sldLayout xmlns:a="http://schemas.openxmlformats.org/drawingml/2006/main" xmlns:r="http://schemas.openxmlformats.org/officeDocument/2006/relationships" xmlns:p="http://schemas.openxmlformats.org/presentationml/2006/main" type="title" preserve="1">
   <p:cSld name="Title Slide">
@@ -25627,7 +23801,7 @@
           <a:p>
             <a:fld id="{E244C58A-5871-1749-BADD-ABDAF70FC583}" type="datetimeFigureOut">
               <a:rPr lang="en-US" smtClean="0"/>
-              <a:t>3/23/17</a:t>
+              <a:t>4/4/17</a:t>
             </a:fld>
             <a:endParaRPr lang="en-US"/>
           </a:p>
@@ -25889,7 +24063,7 @@
           <a:p>
             <a:fld id="{E244C58A-5871-1749-BADD-ABDAF70FC583}" type="datetimeFigureOut">
               <a:rPr lang="en-US" smtClean="0"/>
-              <a:t>3/23/17</a:t>
+              <a:t>4/4/17</a:t>
             </a:fld>
             <a:endParaRPr lang="en-US"/>
           </a:p>
@@ -26115,7 +24289,7 @@
           <a:p>
             <a:fld id="{E244C58A-5871-1749-BADD-ABDAF70FC583}" type="datetimeFigureOut">
               <a:rPr lang="en-US" smtClean="0"/>
-              <a:t>3/23/17</a:t>
+              <a:t>4/4/17</a:t>
             </a:fld>
             <a:endParaRPr lang="en-US"/>
           </a:p>
@@ -26420,7 +24594,7 @@
           <a:p>
             <a:fld id="{E244C58A-5871-1749-BADD-ABDAF70FC583}" type="datetimeFigureOut">
               <a:rPr lang="en-US" smtClean="0"/>
-              <a:t>3/23/17</a:t>
+              <a:t>4/4/17</a:t>
             </a:fld>
             <a:endParaRPr lang="en-US"/>
           </a:p>
@@ -26888,7 +25062,7 @@
           <a:p>
             <a:fld id="{E244C58A-5871-1749-BADD-ABDAF70FC583}" type="datetimeFigureOut">
               <a:rPr lang="en-US" smtClean="0"/>
-              <a:t>3/23/17</a:t>
+              <a:t>4/4/17</a:t>
             </a:fld>
             <a:endParaRPr lang="en-US"/>
           </a:p>
@@ -27430,7 +25604,7 @@
           <a:p>
             <a:fld id="{E244C58A-5871-1749-BADD-ABDAF70FC583}" type="datetimeFigureOut">
               <a:rPr lang="en-US" smtClean="0"/>
-              <a:t>3/23/17</a:t>
+              <a:t>4/4/17</a:t>
             </a:fld>
             <a:endParaRPr lang="en-US"/>
           </a:p>
@@ -28199,7 +26373,7 @@
           <a:p>
             <a:fld id="{E244C58A-5871-1749-BADD-ABDAF70FC583}" type="datetimeFigureOut">
               <a:rPr lang="en-US" smtClean="0"/>
-              <a:t>3/23/17</a:t>
+              <a:t>4/4/17</a:t>
             </a:fld>
             <a:endParaRPr lang="en-US"/>
           </a:p>
@@ -28369,7 +26543,7 @@
           <a:p>
             <a:fld id="{E244C58A-5871-1749-BADD-ABDAF70FC583}" type="datetimeFigureOut">
               <a:rPr lang="en-US" smtClean="0"/>
-              <a:t>3/23/17</a:t>
+              <a:t>4/4/17</a:t>
             </a:fld>
             <a:endParaRPr lang="en-US"/>
           </a:p>
@@ -28587,7 +26761,7 @@
           <a:p>
             <a:fld id="{E244C58A-5871-1749-BADD-ABDAF70FC583}" type="datetimeFigureOut">
               <a:rPr lang="en-US" smtClean="0"/>
-              <a:t>3/23/17</a:t>
+              <a:t>4/4/17</a:t>
             </a:fld>
             <a:endParaRPr lang="en-US"/>
           </a:p>
@@ -28762,7 +26936,7 @@
           <a:p>
             <a:fld id="{E244C58A-5871-1749-BADD-ABDAF70FC583}" type="datetimeFigureOut">
               <a:rPr lang="en-US" smtClean="0"/>
-              <a:t>3/23/17</a:t>
+              <a:t>4/4/17</a:t>
             </a:fld>
             <a:endParaRPr lang="en-US"/>
           </a:p>
@@ -29046,7 +27220,7 @@
           <a:p>
             <a:fld id="{E244C58A-5871-1749-BADD-ABDAF70FC583}" type="datetimeFigureOut">
               <a:rPr lang="en-US" smtClean="0"/>
-              <a:t>3/23/17</a:t>
+              <a:t>4/4/17</a:t>
             </a:fld>
             <a:endParaRPr lang="en-US"/>
           </a:p>
@@ -29283,7 +27457,7 @@
           <a:p>
             <a:fld id="{E244C58A-5871-1749-BADD-ABDAF70FC583}" type="datetimeFigureOut">
               <a:rPr lang="en-US" smtClean="0"/>
-              <a:t>3/23/17</a:t>
+              <a:t>4/4/17</a:t>
             </a:fld>
             <a:endParaRPr lang="en-US"/>
           </a:p>
@@ -29657,7 +27831,7 @@
           <a:p>
             <a:fld id="{E244C58A-5871-1749-BADD-ABDAF70FC583}" type="datetimeFigureOut">
               <a:rPr lang="en-US" smtClean="0"/>
-              <a:t>3/23/17</a:t>
+              <a:t>4/4/17</a:t>
             </a:fld>
             <a:endParaRPr lang="en-US"/>
           </a:p>
@@ -29770,7 +27944,7 @@
           <a:p>
             <a:fld id="{E244C58A-5871-1749-BADD-ABDAF70FC583}" type="datetimeFigureOut">
               <a:rPr lang="en-US" smtClean="0"/>
-              <a:t>3/23/17</a:t>
+              <a:t>4/4/17</a:t>
             </a:fld>
             <a:endParaRPr lang="en-US"/>
           </a:p>
@@ -29860,7 +28034,7 @@
           <a:p>
             <a:fld id="{E244C58A-5871-1749-BADD-ABDAF70FC583}" type="datetimeFigureOut">
               <a:rPr lang="en-US" smtClean="0"/>
-              <a:t>3/23/17</a:t>
+              <a:t>4/4/17</a:t>
             </a:fld>
             <a:endParaRPr lang="en-US"/>
           </a:p>
@@ -30104,7 +28278,7 @@
           <a:p>
             <a:fld id="{E244C58A-5871-1749-BADD-ABDAF70FC583}" type="datetimeFigureOut">
               <a:rPr lang="en-US" smtClean="0"/>
-              <a:t>3/23/17</a:t>
+              <a:t>4/4/17</a:t>
             </a:fld>
             <a:endParaRPr lang="en-US"/>
           </a:p>
@@ -30356,7 +28530,7 @@
           <a:p>
             <a:fld id="{E244C58A-5871-1749-BADD-ABDAF70FC583}" type="datetimeFigureOut">
               <a:rPr lang="en-US" smtClean="0"/>
-              <a:t>3/23/17</a:t>
+              <a:t>4/4/17</a:t>
             </a:fld>
             <a:endParaRPr lang="en-US"/>
           </a:p>
@@ -30594,7 +28768,7 @@
           <a:p>
             <a:fld id="{E244C58A-5871-1749-BADD-ABDAF70FC583}" type="datetimeFigureOut">
               <a:rPr lang="en-US" smtClean="0"/>
-              <a:t>3/23/17</a:t>
+              <a:t>4/4/17</a:t>
             </a:fld>
             <a:endParaRPr lang="en-US"/>
           </a:p>
@@ -32612,7 +30786,7 @@
           <a:p>
             <a:r>
               <a:rPr lang="en-US" dirty="0" smtClean="0"/>
-              <a:t>Comparing leagues </a:t>
+              <a:t>Bet 4: Profit Percentage </a:t>
             </a:r>
             <a:endParaRPr lang="en-US" dirty="0"/>
           </a:p>
@@ -32627,14 +30801,14 @@
           <p:nvPr>
             <p:extLst>
               <p:ext uri="{D42A27DB-BD31-4B8C-83A1-F6EECF244321}">
-                <p14:modId xmlns:p14="http://schemas.microsoft.com/office/powerpoint/2010/main" val="1533174045"/>
+                <p14:modId xmlns:p14="http://schemas.microsoft.com/office/powerpoint/2010/main" val="2109042015"/>
               </p:ext>
             </p:extLst>
           </p:nvPr>
         </p:nvGraphicFramePr>
         <p:xfrm>
-          <a:off x="774032" y="2057401"/>
-          <a:ext cx="10732168" cy="4024125"/>
+          <a:off x="360948" y="1900988"/>
+          <a:ext cx="11598442" cy="4668253"/>
         </p:xfrm>
         <a:graphic>
           <a:graphicData uri="http://schemas.openxmlformats.org/drawingml/2006/chart">
@@ -32645,7 +30819,7 @@
     </p:spTree>
     <p:extLst>
       <p:ext uri="{BB962C8B-B14F-4D97-AF65-F5344CB8AC3E}">
-        <p14:creationId xmlns:p14="http://schemas.microsoft.com/office/powerpoint/2010/main" val="1018355277"/>
+        <p14:creationId xmlns:p14="http://schemas.microsoft.com/office/powerpoint/2010/main" val="1626027360"/>
       </p:ext>
     </p:extLst>
   </p:cSld>
@@ -32689,87 +30863,6 @@
           <a:p>
             <a:r>
               <a:rPr lang="en-US" dirty="0" smtClean="0"/>
-              <a:t>Bet 4: Profit </a:t>
-            </a:r>
-            <a:r>
-              <a:rPr lang="en-US" dirty="0" smtClean="0"/>
-              <a:t>Percentage </a:t>
-            </a:r>
-            <a:endParaRPr lang="en-US" dirty="0"/>
-          </a:p>
-        </p:txBody>
-      </p:sp>
-      <p:graphicFrame>
-        <p:nvGraphicFramePr>
-          <p:cNvPr id="4" name="Chart 3"/>
-          <p:cNvGraphicFramePr>
-            <a:graphicFrameLocks/>
-          </p:cNvGraphicFramePr>
-          <p:nvPr>
-            <p:extLst>
-              <p:ext uri="{D42A27DB-BD31-4B8C-83A1-F6EECF244321}">
-                <p14:modId xmlns:p14="http://schemas.microsoft.com/office/powerpoint/2010/main" val="2109042015"/>
-              </p:ext>
-            </p:extLst>
-          </p:nvPr>
-        </p:nvGraphicFramePr>
-        <p:xfrm>
-          <a:off x="360948" y="1900988"/>
-          <a:ext cx="11598442" cy="4668253"/>
-        </p:xfrm>
-        <a:graphic>
-          <a:graphicData uri="http://schemas.openxmlformats.org/drawingml/2006/chart">
-            <c:chart xmlns:c="http://schemas.openxmlformats.org/drawingml/2006/chart" xmlns:r="http://schemas.openxmlformats.org/officeDocument/2006/relationships" r:id="rId2"/>
-          </a:graphicData>
-        </a:graphic>
-      </p:graphicFrame>
-    </p:spTree>
-    <p:extLst>
-      <p:ext uri="{BB962C8B-B14F-4D97-AF65-F5344CB8AC3E}">
-        <p14:creationId xmlns:p14="http://schemas.microsoft.com/office/powerpoint/2010/main" val="1626027360"/>
-      </p:ext>
-    </p:extLst>
-  </p:cSld>
-  <p:clrMapOvr>
-    <a:masterClrMapping/>
-  </p:clrMapOvr>
-</p:sld>
-</file>
-
-<file path=ppt/slides/slide18.xml><?xml version="1.0" encoding="utf-8"?>
-<p:sld xmlns:a="http://schemas.openxmlformats.org/drawingml/2006/main" xmlns:r="http://schemas.openxmlformats.org/officeDocument/2006/relationships" xmlns:p="http://schemas.openxmlformats.org/presentationml/2006/main">
-  <p:cSld>
-    <p:spTree>
-      <p:nvGrpSpPr>
-        <p:cNvPr id="1" name=""/>
-        <p:cNvGrpSpPr/>
-        <p:nvPr/>
-      </p:nvGrpSpPr>
-      <p:grpSpPr>
-        <a:xfrm>
-          <a:off x="0" y="0"/>
-          <a:ext cx="0" cy="0"/>
-          <a:chOff x="0" y="0"/>
-          <a:chExt cx="0" cy="0"/>
-        </a:xfrm>
-      </p:grpSpPr>
-      <p:sp>
-        <p:nvSpPr>
-          <p:cNvPr id="2" name="Title 1"/>
-          <p:cNvSpPr>
-            <a:spLocks noGrp="1"/>
-          </p:cNvSpPr>
-          <p:nvPr>
-            <p:ph type="title"/>
-          </p:nvPr>
-        </p:nvSpPr>
-        <p:spPr/>
-        <p:txBody>
-          <a:bodyPr/>
-          <a:lstStyle/>
-          <a:p>
-            <a:r>
-              <a:rPr lang="en-US" dirty="0" smtClean="0"/>
               <a:t>Conclusion</a:t>
             </a:r>
             <a:endParaRPr lang="en-US" dirty="0"/>
@@ -32804,11 +30897,7 @@
           <a:p>
             <a:r>
               <a:rPr lang="en-US" dirty="0" smtClean="0"/>
-              <a:t>We thought that historic data were enough for good predictions, but actually it seems we need more information difficult to acces</a:t>
-            </a:r>
-            <a:r>
-              <a:rPr lang="en-US" dirty="0" smtClean="0"/>
-              <a:t>s (e.g. player level injury, psychological situations,</a:t>
+              <a:t>We thought that historic data were enough for good predictions, but actually it seems we need more information difficult to access (e.g. player level injury, psychological situations,</a:t>
             </a:r>
             <a:r>
               <a:rPr lang="mr-IN" dirty="0" smtClean="0"/>
@@ -32818,7 +30907,6 @@
               <a:rPr lang="en-US" dirty="0" smtClean="0"/>
               <a:t>)</a:t>
             </a:r>
-            <a:endParaRPr lang="en-US" dirty="0" smtClean="0"/>
           </a:p>
           <a:p>
             <a:r>
@@ -32958,15 +31046,9 @@
               <a:rPr lang="en-AU" dirty="0" smtClean="0">
                 <a:sym typeface="Wingdings"/>
               </a:rPr>
-              <a:t>Crawler part  new matches/teams/player/bet-odds</a:t>
-            </a:r>
-            <a:r>
-              <a:rPr lang="mr-IN" dirty="0" smtClean="0">
-                <a:sym typeface="Wingdings"/>
-              </a:rPr>
-              <a:t>…</a:t>
-            </a:r>
-            <a:endParaRPr lang="it-IT" dirty="0" smtClean="0">
+              <a:t>Crawler </a:t>
+            </a:r>
+            <a:endParaRPr lang="en-AU" dirty="0" smtClean="0">
               <a:sym typeface="Wingdings"/>
             </a:endParaRPr>
           </a:p>
@@ -32976,8 +31058,23 @@
               <a:rPr lang="en-AU" dirty="0" smtClean="0">
                 <a:sym typeface="Wingdings"/>
               </a:rPr>
-              <a:t>Machine Learning  </a:t>
-            </a:r>
+              <a:t>Machine </a:t>
+            </a:r>
+            <a:r>
+              <a:rPr lang="en-AU" dirty="0" smtClean="0">
+                <a:sym typeface="Wingdings"/>
+              </a:rPr>
+              <a:t>Learning </a:t>
+            </a:r>
+            <a:r>
+              <a:rPr lang="en-AU" dirty="0" smtClean="0">
+                <a:sym typeface="Wingdings"/>
+              </a:rPr>
+              <a:t> </a:t>
+            </a:r>
+            <a:endParaRPr lang="en-AU" dirty="0" smtClean="0">
+              <a:sym typeface="Wingdings"/>
+            </a:endParaRPr>
           </a:p>
           <a:p>
             <a:pPr lvl="1"/>
@@ -33373,7 +31470,7 @@
         <p:spPr>
           <a:xfrm>
             <a:off x="585788" y="1690686"/>
-            <a:ext cx="5414962" cy="3970318"/>
+            <a:ext cx="5414962" cy="3539430"/>
           </a:xfrm>
           <a:prstGeom prst="rect">
             <a:avLst/>
@@ -33426,25 +31523,19 @@
             </a:pPr>
             <a:r>
               <a:rPr lang="en-US" sz="2800" dirty="0" smtClean="0"/>
-              <a:t>Machine Learning: predict tomorrow and evaluate the accuracy of yesterday predictions</a:t>
-            </a:r>
+              <a:t>Machine Learning: </a:t>
+            </a:r>
+            <a:r>
+              <a:rPr lang="en-US" sz="2800" dirty="0" smtClean="0"/>
+              <a:t>predict incoming matches</a:t>
+            </a:r>
+            <a:endParaRPr lang="en-US" sz="2800" dirty="0" smtClean="0"/>
           </a:p>
           <a:p>
             <a:pPr marL="285750" indent="-285750">
               <a:buFont typeface="Arial" charset="0"/>
               <a:buChar char="•"/>
             </a:pPr>
-            <a:endParaRPr lang="en-US" sz="2800" dirty="0"/>
-          </a:p>
-          <a:p>
-            <a:pPr marL="285750" indent="-285750">
-              <a:buFont typeface="Arial" charset="0"/>
-              <a:buChar char="•"/>
-            </a:pPr>
-            <a:r>
-              <a:rPr lang="en-US" sz="2800" dirty="0" smtClean="0"/>
-              <a:t>Repeat until TRUE</a:t>
-            </a:r>
             <a:endParaRPr lang="en-US" sz="2800" dirty="0"/>
           </a:p>
         </p:txBody>
@@ -33568,22 +31659,38 @@
             </a:r>
             <a:r>
               <a:rPr lang="en-AU" dirty="0" smtClean="0"/>
-              <a:t>: combination of previous match statistics performed by teams</a:t>
-            </a:r>
-            <a:r>
-              <a:rPr lang="en-AU" dirty="0" smtClean="0"/>
-              <a:t>.</a:t>
-            </a:r>
-            <a:endParaRPr lang="en-AU" dirty="0" smtClean="0"/>
+              <a:t>: combination of previous match statistics performed by teams.</a:t>
+            </a:r>
           </a:p>
           <a:p>
             <a:pPr marL="914400" lvl="1" indent="-457200">
               <a:buFont typeface="+mj-lt"/>
               <a:buAutoNum type="arabicPeriod"/>
             </a:pPr>
+            <a:endParaRPr lang="en-AU" i="1" u="sng" dirty="0" smtClean="0"/>
+          </a:p>
+          <a:p>
+            <a:r>
+              <a:rPr lang="en-AU" dirty="0" smtClean="0"/>
+              <a:t>Poisson</a:t>
+            </a:r>
+            <a:r>
+              <a:rPr lang="en-AU" i="1" dirty="0" smtClean="0"/>
+              <a:t>:</a:t>
+            </a:r>
+          </a:p>
+          <a:p>
+            <a:pPr marL="914400" lvl="1" indent="-457200">
+              <a:buFont typeface="+mj-lt"/>
+              <a:buAutoNum type="arabicPeriod"/>
+            </a:pPr>
             <a:r>
               <a:rPr lang="en-AU" i="1" u="sng" dirty="0" smtClean="0"/>
-              <a:t>Poisson input</a:t>
+              <a:t>Poisson </a:t>
+            </a:r>
+            <a:r>
+              <a:rPr lang="en-AU" i="1" u="sng" dirty="0" smtClean="0"/>
+              <a:t>input</a:t>
             </a:r>
             <a:r>
               <a:rPr lang="en-AU" dirty="0" smtClean="0"/>
@@ -33698,17 +31805,29 @@
           </a:p>
           <a:p>
             <a:pPr lvl="1"/>
-            <a:r>
-              <a:rPr lang="en-AU" i="1" u="sng" dirty="0"/>
-              <a:t>“</a:t>
-            </a:r>
-            <a:r>
-              <a:rPr lang="en-AU" i="1" u="sng" dirty="0" smtClean="0"/>
-              <a:t>Poisson”</a:t>
-            </a:r>
+            <a:endParaRPr lang="en-AU" i="1" u="sng" dirty="0" smtClean="0"/>
           </a:p>
           <a:p>
-            <a:pPr lvl="1"/>
+            <a:r>
+              <a:rPr lang="en-AU" dirty="0" smtClean="0"/>
+              <a:t>Poisson Distribution</a:t>
+            </a:r>
+            <a:r>
+              <a:rPr lang="en-AU" dirty="0"/>
+              <a:t>: </a:t>
+            </a:r>
+            <a:r>
+              <a:rPr lang="en-AU" dirty="0" smtClean="0"/>
+              <a:t>number </a:t>
+            </a:r>
+            <a:r>
+              <a:rPr lang="en-AU" dirty="0"/>
+              <a:t>of goal scored in a </a:t>
+            </a:r>
+            <a:r>
+              <a:rPr lang="en-AU" dirty="0" smtClean="0"/>
+              <a:t>match </a:t>
+            </a:r>
             <a:endParaRPr lang="en-AU" i="1" u="sng" dirty="0" smtClean="0"/>
           </a:p>
           <a:p>
@@ -33811,19 +31930,7 @@
               <a:p>
                 <a:r>
                   <a:rPr lang="en-US" dirty="0" smtClean="0"/>
-                  <a:t>3</a:t>
-                </a:r>
-                <a:r>
-                  <a:rPr lang="en-US" dirty="0" smtClean="0"/>
-                  <a:t> </a:t>
-                </a:r>
-                <a:r>
-                  <a:rPr lang="en-US" dirty="0" smtClean="0"/>
-                  <a:t>input </a:t>
-                </a:r>
-                <a:r>
-                  <a:rPr lang="en-US" dirty="0" smtClean="0"/>
-                  <a:t>types + 1 for </a:t>
+                  <a:t>3 input types + 1 for </a:t>
                 </a:r>
                 <a:r>
                   <a:rPr lang="en-US" dirty="0" err="1" smtClean="0"/>
@@ -33846,8 +31953,13 @@
               <a:p>
                 <a:r>
                   <a:rPr lang="en-US" dirty="0" smtClean="0"/>
-                  <a:t>1 Hybrid</a:t>
+                  <a:t>1 </a:t>
                 </a:r>
+                <a:r>
+                  <a:rPr lang="en-US" dirty="0" smtClean="0"/>
+                  <a:t>Poisson</a:t>
+                </a:r>
+                <a:endParaRPr lang="en-US" dirty="0" smtClean="0"/>
               </a:p>
               <a:p>
                 <a:r>
@@ -33900,16 +32012,7 @@
                             <a:cs typeface="Cambria Math" charset="0"/>
                             <a:sym typeface="Wingdings"/>
                           </a:rPr>
-                          <m:t>(</m:t>
-                        </m:r>
-                        <m:r>
-                          <a:rPr lang="it-IT" b="0" i="1" smtClean="0">
-                            <a:latin typeface="Cambria Math" charset="0"/>
-                            <a:ea typeface="Cambria Math" charset="0"/>
-                            <a:cs typeface="Cambria Math" charset="0"/>
-                            <a:sym typeface="Wingdings"/>
-                          </a:rPr>
-                          <m:t>3</m:t>
+                          <m:t>(3</m:t>
                         </m:r>
                         <m:r>
                           <a:rPr lang="it-IT" i="1">
@@ -33939,16 +32042,7 @@
                                 <a:cs typeface="Cambria Math" charset="0"/>
                                 <a:sym typeface="Wingdings"/>
                               </a:rPr>
-                              <m:t>1</m:t>
-                            </m:r>
-                            <m:r>
-                              <a:rPr lang="it-IT" b="0" i="1" smtClean="0">
-                                <a:latin typeface="Cambria Math" charset="0"/>
-                                <a:ea typeface="Cambria Math" charset="0"/>
-                                <a:cs typeface="Cambria Math" charset="0"/>
-                                <a:sym typeface="Wingdings"/>
-                              </a:rPr>
-                              <m:t>+2</m:t>
+                              <m:t>1+2</m:t>
                             </m:r>
                             <m:r>
                               <a:rPr lang="it-IT" i="1">
@@ -33979,26 +32073,13 @@
                         <a:cs typeface="Cambria Math" charset="0"/>
                         <a:sym typeface="Wingdings"/>
                       </a:rPr>
-                      <m:t>+1)=</m:t>
-                    </m:r>
-                    <m:r>
-                      <a:rPr lang="it-IT" b="0" i="1" smtClean="0">
-                        <a:latin typeface="Cambria Math" charset="0"/>
-                        <a:ea typeface="Cambria Math" charset="0"/>
-                        <a:cs typeface="Cambria Math" charset="0"/>
-                        <a:sym typeface="Wingdings"/>
-                      </a:rPr>
-                      <m:t>308</m:t>
+                      <m:t>+1)=308</m:t>
                     </m:r>
                   </m:oMath>
                 </a14:m>
                 <a:r>
                   <a:rPr lang="en-US" dirty="0" smtClean="0"/>
-                  <a:t> possible </a:t>
-                </a:r>
-                <a:r>
-                  <a:rPr lang="en-US" dirty="0" smtClean="0"/>
-                  <a:t>settings</a:t>
+                  <a:t> possible settings</a:t>
                 </a:r>
               </a:p>
             </p:txBody>
